--- a/training_materials/01_springcore_intro.pptx
+++ b/training_materials/01_springcore_intro.pptx
@@ -5,7 +5,7 @@
     <p:sldMasterId id="2147483658" r:id="rId1"/>
   </p:sldMasterIdLst>
   <p:notesMasterIdLst>
-    <p:notesMasterId r:id="rId46"/>
+    <p:notesMasterId r:id="rId40"/>
   </p:notesMasterIdLst>
   <p:sldIdLst>
     <p:sldId id="256" r:id="rId2"/>
@@ -46,33 +46,27 @@
     <p:sldId id="327" r:id="rId37"/>
     <p:sldId id="328" r:id="rId38"/>
     <p:sldId id="311" r:id="rId39"/>
-    <p:sldId id="427" r:id="rId40"/>
-    <p:sldId id="330" r:id="rId41"/>
-    <p:sldId id="396" r:id="rId42"/>
-    <p:sldId id="356" r:id="rId43"/>
-    <p:sldId id="426" r:id="rId44"/>
-    <p:sldId id="412" r:id="rId45"/>
   </p:sldIdLst>
   <p:sldSz cx="9144000" cy="5143500" type="screen16x9"/>
   <p:notesSz cx="6858000" cy="9144000"/>
   <p:embeddedFontLst>
     <p:embeddedFont>
       <p:font typeface="Calibri" panose="020F0502020204030204" pitchFamily="34" charset="0"/>
-      <p:regular r:id="rId47"/>
-      <p:bold r:id="rId48"/>
-      <p:italic r:id="rId49"/>
-      <p:boldItalic r:id="rId50"/>
+      <p:regular r:id="rId41"/>
+      <p:bold r:id="rId42"/>
+      <p:italic r:id="rId43"/>
+      <p:boldItalic r:id="rId44"/>
     </p:embeddedFont>
     <p:embeddedFont>
       <p:font typeface="Varela Round" panose="00000500000000000000" charset="-79"/>
-      <p:regular r:id="rId51"/>
+      <p:regular r:id="rId45"/>
     </p:embeddedFont>
     <p:embeddedFont>
       <p:font typeface="Verdana" panose="020B0604030504040204" pitchFamily="34" charset="0"/>
-      <p:regular r:id="rId52"/>
-      <p:bold r:id="rId53"/>
-      <p:italic r:id="rId54"/>
-      <p:boldItalic r:id="rId55"/>
+      <p:regular r:id="rId46"/>
+      <p:bold r:id="rId47"/>
+      <p:italic r:id="rId48"/>
+      <p:boldItalic r:id="rId49"/>
     </p:embeddedFont>
   </p:embeddedFontLst>
   <p:defaultTextStyle>
@@ -3929,112 +3923,6 @@
 </p:notes>
 </file>
 
-<file path=ppt/notesSlides/notesSlide39.xml><?xml version="1.0" encoding="utf-8"?>
-<p:notes xmlns:a="http://schemas.openxmlformats.org/drawingml/2006/main" xmlns:r="http://schemas.openxmlformats.org/officeDocument/2006/relationships" xmlns:p="http://schemas.openxmlformats.org/presentationml/2006/main" showMasterSp="0" showMasterPhAnim="0">
-  <p:cSld>
-    <p:spTree>
-      <p:nvGrpSpPr>
-        <p:cNvPr id="1" name="Shape 265"/>
-        <p:cNvGrpSpPr/>
-        <p:nvPr/>
-      </p:nvGrpSpPr>
-      <p:grpSpPr>
-        <a:xfrm>
-          <a:off x="0" y="0"/>
-          <a:ext cx="0" cy="0"/>
-          <a:chOff x="0" y="0"/>
-          <a:chExt cx="0" cy="0"/>
-        </a:xfrm>
-      </p:grpSpPr>
-      <p:sp>
-        <p:nvSpPr>
-          <p:cNvPr id="266" name="Shape 266"/>
-          <p:cNvSpPr>
-            <a:spLocks noGrp="1" noRot="1" noChangeAspect="1"/>
-          </p:cNvSpPr>
-          <p:nvPr>
-            <p:ph type="sldImg" idx="2"/>
-          </p:nvPr>
-        </p:nvSpPr>
-        <p:spPr>
-          <a:xfrm>
-            <a:off x="381000" y="685800"/>
-            <a:ext cx="6096000" cy="3429000"/>
-          </a:xfrm>
-          <a:custGeom>
-            <a:avLst/>
-            <a:gdLst/>
-            <a:ahLst/>
-            <a:cxnLst/>
-            <a:rect l="0" t="0" r="0" b="0"/>
-            <a:pathLst>
-              <a:path w="120000" h="120000" extrusionOk="0">
-                <a:moveTo>
-                  <a:pt x="0" y="0"/>
-                </a:moveTo>
-                <a:lnTo>
-                  <a:pt x="120000" y="0"/>
-                </a:lnTo>
-                <a:lnTo>
-                  <a:pt x="120000" y="120000"/>
-                </a:lnTo>
-                <a:lnTo>
-                  <a:pt x="0" y="120000"/>
-                </a:lnTo>
-                <a:close/>
-              </a:path>
-            </a:pathLst>
-          </a:custGeom>
-        </p:spPr>
-      </p:sp>
-      <p:sp>
-        <p:nvSpPr>
-          <p:cNvPr id="267" name="Shape 267"/>
-          <p:cNvSpPr txBox="1">
-            <a:spLocks noGrp="1"/>
-          </p:cNvSpPr>
-          <p:nvPr>
-            <p:ph type="body" idx="1"/>
-          </p:nvPr>
-        </p:nvSpPr>
-        <p:spPr>
-          <a:xfrm>
-            <a:off x="685800" y="4343400"/>
-            <a:ext cx="5486399" cy="4114800"/>
-          </a:xfrm>
-          <a:prstGeom prst="rect">
-            <a:avLst/>
-          </a:prstGeom>
-        </p:spPr>
-        <p:txBody>
-          <a:bodyPr lIns="91425" tIns="91425" rIns="91425" bIns="91425" anchor="t" anchorCtr="0">
-            <a:noAutofit/>
-          </a:bodyPr>
-          <a:lstStyle/>
-          <a:p>
-            <a:pPr lvl="0">
-              <a:spcBef>
-                <a:spcPts val="0"/>
-              </a:spcBef>
-              <a:buNone/>
-            </a:pPr>
-            <a:endParaRPr/>
-          </a:p>
-        </p:txBody>
-      </p:sp>
-    </p:spTree>
-    <p:extLst>
-      <p:ext uri="{BB962C8B-B14F-4D97-AF65-F5344CB8AC3E}">
-        <p14:creationId xmlns:p14="http://schemas.microsoft.com/office/powerpoint/2010/main" val="3189948042"/>
-      </p:ext>
-    </p:extLst>
-  </p:cSld>
-  <p:clrMapOvr>
-    <a:masterClrMapping/>
-  </p:clrMapOvr>
-</p:notes>
-</file>
-
 <file path=ppt/notesSlides/notesSlide4.xml><?xml version="1.0" encoding="utf-8"?>
 <p:notes xmlns:a="http://schemas.openxmlformats.org/drawingml/2006/main" xmlns:r="http://schemas.openxmlformats.org/officeDocument/2006/relationships" xmlns:p="http://schemas.openxmlformats.org/presentationml/2006/main" showMasterSp="0" showMasterPhAnim="0">
   <p:cSld>
@@ -4132,536 +4020,6 @@
     <p:extLst>
       <p:ext uri="{BB962C8B-B14F-4D97-AF65-F5344CB8AC3E}">
         <p14:creationId xmlns:p14="http://schemas.microsoft.com/office/powerpoint/2010/main" val="3310062438"/>
-      </p:ext>
-    </p:extLst>
-  </p:cSld>
-  <p:clrMapOvr>
-    <a:masterClrMapping/>
-  </p:clrMapOvr>
-</p:notes>
-</file>
-
-<file path=ppt/notesSlides/notesSlide40.xml><?xml version="1.0" encoding="utf-8"?>
-<p:notes xmlns:a="http://schemas.openxmlformats.org/drawingml/2006/main" xmlns:r="http://schemas.openxmlformats.org/officeDocument/2006/relationships" xmlns:p="http://schemas.openxmlformats.org/presentationml/2006/main" showMasterSp="0" showMasterPhAnim="0">
-  <p:cSld>
-    <p:spTree>
-      <p:nvGrpSpPr>
-        <p:cNvPr id="1" name="Shape 265"/>
-        <p:cNvGrpSpPr/>
-        <p:nvPr/>
-      </p:nvGrpSpPr>
-      <p:grpSpPr>
-        <a:xfrm>
-          <a:off x="0" y="0"/>
-          <a:ext cx="0" cy="0"/>
-          <a:chOff x="0" y="0"/>
-          <a:chExt cx="0" cy="0"/>
-        </a:xfrm>
-      </p:grpSpPr>
-      <p:sp>
-        <p:nvSpPr>
-          <p:cNvPr id="266" name="Shape 266"/>
-          <p:cNvSpPr>
-            <a:spLocks noGrp="1" noRot="1" noChangeAspect="1"/>
-          </p:cNvSpPr>
-          <p:nvPr>
-            <p:ph type="sldImg" idx="2"/>
-          </p:nvPr>
-        </p:nvSpPr>
-        <p:spPr>
-          <a:xfrm>
-            <a:off x="381000" y="685800"/>
-            <a:ext cx="6096000" cy="3429000"/>
-          </a:xfrm>
-          <a:custGeom>
-            <a:avLst/>
-            <a:gdLst/>
-            <a:ahLst/>
-            <a:cxnLst/>
-            <a:rect l="0" t="0" r="0" b="0"/>
-            <a:pathLst>
-              <a:path w="120000" h="120000" extrusionOk="0">
-                <a:moveTo>
-                  <a:pt x="0" y="0"/>
-                </a:moveTo>
-                <a:lnTo>
-                  <a:pt x="120000" y="0"/>
-                </a:lnTo>
-                <a:lnTo>
-                  <a:pt x="120000" y="120000"/>
-                </a:lnTo>
-                <a:lnTo>
-                  <a:pt x="0" y="120000"/>
-                </a:lnTo>
-                <a:close/>
-              </a:path>
-            </a:pathLst>
-          </a:custGeom>
-        </p:spPr>
-      </p:sp>
-      <p:sp>
-        <p:nvSpPr>
-          <p:cNvPr id="267" name="Shape 267"/>
-          <p:cNvSpPr txBox="1">
-            <a:spLocks noGrp="1"/>
-          </p:cNvSpPr>
-          <p:nvPr>
-            <p:ph type="body" idx="1"/>
-          </p:nvPr>
-        </p:nvSpPr>
-        <p:spPr>
-          <a:xfrm>
-            <a:off x="685800" y="4343400"/>
-            <a:ext cx="5486399" cy="4114800"/>
-          </a:xfrm>
-          <a:prstGeom prst="rect">
-            <a:avLst/>
-          </a:prstGeom>
-        </p:spPr>
-        <p:txBody>
-          <a:bodyPr lIns="91425" tIns="91425" rIns="91425" bIns="91425" anchor="t" anchorCtr="0">
-            <a:noAutofit/>
-          </a:bodyPr>
-          <a:lstStyle/>
-          <a:p>
-            <a:pPr lvl="0">
-              <a:spcBef>
-                <a:spcPts val="0"/>
-              </a:spcBef>
-              <a:buNone/>
-            </a:pPr>
-            <a:endParaRPr/>
-          </a:p>
-        </p:txBody>
-      </p:sp>
-    </p:spTree>
-    <p:extLst>
-      <p:ext uri="{BB962C8B-B14F-4D97-AF65-F5344CB8AC3E}">
-        <p14:creationId xmlns:p14="http://schemas.microsoft.com/office/powerpoint/2010/main" val="1084669922"/>
-      </p:ext>
-    </p:extLst>
-  </p:cSld>
-  <p:clrMapOvr>
-    <a:masterClrMapping/>
-  </p:clrMapOvr>
-</p:notes>
-</file>
-
-<file path=ppt/notesSlides/notesSlide41.xml><?xml version="1.0" encoding="utf-8"?>
-<p:notes xmlns:a="http://schemas.openxmlformats.org/drawingml/2006/main" xmlns:r="http://schemas.openxmlformats.org/officeDocument/2006/relationships" xmlns:p="http://schemas.openxmlformats.org/presentationml/2006/main" showMasterSp="0" showMasterPhAnim="0">
-  <p:cSld>
-    <p:spTree>
-      <p:nvGrpSpPr>
-        <p:cNvPr id="1" name="Shape 265"/>
-        <p:cNvGrpSpPr/>
-        <p:nvPr/>
-      </p:nvGrpSpPr>
-      <p:grpSpPr>
-        <a:xfrm>
-          <a:off x="0" y="0"/>
-          <a:ext cx="0" cy="0"/>
-          <a:chOff x="0" y="0"/>
-          <a:chExt cx="0" cy="0"/>
-        </a:xfrm>
-      </p:grpSpPr>
-      <p:sp>
-        <p:nvSpPr>
-          <p:cNvPr id="266" name="Shape 266"/>
-          <p:cNvSpPr>
-            <a:spLocks noGrp="1" noRot="1" noChangeAspect="1"/>
-          </p:cNvSpPr>
-          <p:nvPr>
-            <p:ph type="sldImg" idx="2"/>
-          </p:nvPr>
-        </p:nvSpPr>
-        <p:spPr>
-          <a:xfrm>
-            <a:off x="381000" y="685800"/>
-            <a:ext cx="6096000" cy="3429000"/>
-          </a:xfrm>
-          <a:custGeom>
-            <a:avLst/>
-            <a:gdLst/>
-            <a:ahLst/>
-            <a:cxnLst/>
-            <a:rect l="0" t="0" r="0" b="0"/>
-            <a:pathLst>
-              <a:path w="120000" h="120000" extrusionOk="0">
-                <a:moveTo>
-                  <a:pt x="0" y="0"/>
-                </a:moveTo>
-                <a:lnTo>
-                  <a:pt x="120000" y="0"/>
-                </a:lnTo>
-                <a:lnTo>
-                  <a:pt x="120000" y="120000"/>
-                </a:lnTo>
-                <a:lnTo>
-                  <a:pt x="0" y="120000"/>
-                </a:lnTo>
-                <a:close/>
-              </a:path>
-            </a:pathLst>
-          </a:custGeom>
-        </p:spPr>
-      </p:sp>
-      <p:sp>
-        <p:nvSpPr>
-          <p:cNvPr id="267" name="Shape 267"/>
-          <p:cNvSpPr txBox="1">
-            <a:spLocks noGrp="1"/>
-          </p:cNvSpPr>
-          <p:nvPr>
-            <p:ph type="body" idx="1"/>
-          </p:nvPr>
-        </p:nvSpPr>
-        <p:spPr>
-          <a:xfrm>
-            <a:off x="685800" y="4343400"/>
-            <a:ext cx="5486399" cy="4114800"/>
-          </a:xfrm>
-          <a:prstGeom prst="rect">
-            <a:avLst/>
-          </a:prstGeom>
-        </p:spPr>
-        <p:txBody>
-          <a:bodyPr lIns="91425" tIns="91425" rIns="91425" bIns="91425" anchor="t" anchorCtr="0">
-            <a:noAutofit/>
-          </a:bodyPr>
-          <a:lstStyle/>
-          <a:p>
-            <a:pPr lvl="0">
-              <a:spcBef>
-                <a:spcPts val="0"/>
-              </a:spcBef>
-              <a:buNone/>
-            </a:pPr>
-            <a:endParaRPr/>
-          </a:p>
-        </p:txBody>
-      </p:sp>
-    </p:spTree>
-    <p:extLst>
-      <p:ext uri="{BB962C8B-B14F-4D97-AF65-F5344CB8AC3E}">
-        <p14:creationId xmlns:p14="http://schemas.microsoft.com/office/powerpoint/2010/main" val="885275430"/>
-      </p:ext>
-    </p:extLst>
-  </p:cSld>
-  <p:clrMapOvr>
-    <a:masterClrMapping/>
-  </p:clrMapOvr>
-</p:notes>
-</file>
-
-<file path=ppt/notesSlides/notesSlide42.xml><?xml version="1.0" encoding="utf-8"?>
-<p:notes xmlns:a="http://schemas.openxmlformats.org/drawingml/2006/main" xmlns:r="http://schemas.openxmlformats.org/officeDocument/2006/relationships" xmlns:p="http://schemas.openxmlformats.org/presentationml/2006/main" showMasterSp="0" showMasterPhAnim="0">
-  <p:cSld>
-    <p:spTree>
-      <p:nvGrpSpPr>
-        <p:cNvPr id="1" name="Shape 265"/>
-        <p:cNvGrpSpPr/>
-        <p:nvPr/>
-      </p:nvGrpSpPr>
-      <p:grpSpPr>
-        <a:xfrm>
-          <a:off x="0" y="0"/>
-          <a:ext cx="0" cy="0"/>
-          <a:chOff x="0" y="0"/>
-          <a:chExt cx="0" cy="0"/>
-        </a:xfrm>
-      </p:grpSpPr>
-      <p:sp>
-        <p:nvSpPr>
-          <p:cNvPr id="266" name="Shape 266"/>
-          <p:cNvSpPr>
-            <a:spLocks noGrp="1" noRot="1" noChangeAspect="1"/>
-          </p:cNvSpPr>
-          <p:nvPr>
-            <p:ph type="sldImg" idx="2"/>
-          </p:nvPr>
-        </p:nvSpPr>
-        <p:spPr>
-          <a:xfrm>
-            <a:off x="381000" y="685800"/>
-            <a:ext cx="6096000" cy="3429000"/>
-          </a:xfrm>
-          <a:custGeom>
-            <a:avLst/>
-            <a:gdLst/>
-            <a:ahLst/>
-            <a:cxnLst/>
-            <a:rect l="0" t="0" r="0" b="0"/>
-            <a:pathLst>
-              <a:path w="120000" h="120000" extrusionOk="0">
-                <a:moveTo>
-                  <a:pt x="0" y="0"/>
-                </a:moveTo>
-                <a:lnTo>
-                  <a:pt x="120000" y="0"/>
-                </a:lnTo>
-                <a:lnTo>
-                  <a:pt x="120000" y="120000"/>
-                </a:lnTo>
-                <a:lnTo>
-                  <a:pt x="0" y="120000"/>
-                </a:lnTo>
-                <a:close/>
-              </a:path>
-            </a:pathLst>
-          </a:custGeom>
-        </p:spPr>
-      </p:sp>
-      <p:sp>
-        <p:nvSpPr>
-          <p:cNvPr id="267" name="Shape 267"/>
-          <p:cNvSpPr txBox="1">
-            <a:spLocks noGrp="1"/>
-          </p:cNvSpPr>
-          <p:nvPr>
-            <p:ph type="body" idx="1"/>
-          </p:nvPr>
-        </p:nvSpPr>
-        <p:spPr>
-          <a:xfrm>
-            <a:off x="685800" y="4343400"/>
-            <a:ext cx="5486399" cy="4114800"/>
-          </a:xfrm>
-          <a:prstGeom prst="rect">
-            <a:avLst/>
-          </a:prstGeom>
-        </p:spPr>
-        <p:txBody>
-          <a:bodyPr lIns="91425" tIns="91425" rIns="91425" bIns="91425" anchor="t" anchorCtr="0">
-            <a:noAutofit/>
-          </a:bodyPr>
-          <a:lstStyle/>
-          <a:p>
-            <a:pPr lvl="0">
-              <a:spcBef>
-                <a:spcPts val="0"/>
-              </a:spcBef>
-              <a:buNone/>
-            </a:pPr>
-            <a:endParaRPr/>
-          </a:p>
-        </p:txBody>
-      </p:sp>
-    </p:spTree>
-    <p:extLst>
-      <p:ext uri="{BB962C8B-B14F-4D97-AF65-F5344CB8AC3E}">
-        <p14:creationId xmlns:p14="http://schemas.microsoft.com/office/powerpoint/2010/main" val="4202359571"/>
-      </p:ext>
-    </p:extLst>
-  </p:cSld>
-  <p:clrMapOvr>
-    <a:masterClrMapping/>
-  </p:clrMapOvr>
-</p:notes>
-</file>
-
-<file path=ppt/notesSlides/notesSlide43.xml><?xml version="1.0" encoding="utf-8"?>
-<p:notes xmlns:a="http://schemas.openxmlformats.org/drawingml/2006/main" xmlns:r="http://schemas.openxmlformats.org/officeDocument/2006/relationships" xmlns:p="http://schemas.openxmlformats.org/presentationml/2006/main" showMasterSp="0" showMasterPhAnim="0">
-  <p:cSld>
-    <p:spTree>
-      <p:nvGrpSpPr>
-        <p:cNvPr id="1" name="Shape 265"/>
-        <p:cNvGrpSpPr/>
-        <p:nvPr/>
-      </p:nvGrpSpPr>
-      <p:grpSpPr>
-        <a:xfrm>
-          <a:off x="0" y="0"/>
-          <a:ext cx="0" cy="0"/>
-          <a:chOff x="0" y="0"/>
-          <a:chExt cx="0" cy="0"/>
-        </a:xfrm>
-      </p:grpSpPr>
-      <p:sp>
-        <p:nvSpPr>
-          <p:cNvPr id="266" name="Shape 266"/>
-          <p:cNvSpPr>
-            <a:spLocks noGrp="1" noRot="1" noChangeAspect="1"/>
-          </p:cNvSpPr>
-          <p:nvPr>
-            <p:ph type="sldImg" idx="2"/>
-          </p:nvPr>
-        </p:nvSpPr>
-        <p:spPr>
-          <a:xfrm>
-            <a:off x="381000" y="685800"/>
-            <a:ext cx="6096000" cy="3429000"/>
-          </a:xfrm>
-          <a:custGeom>
-            <a:avLst/>
-            <a:gdLst/>
-            <a:ahLst/>
-            <a:cxnLst/>
-            <a:rect l="0" t="0" r="0" b="0"/>
-            <a:pathLst>
-              <a:path w="120000" h="120000" extrusionOk="0">
-                <a:moveTo>
-                  <a:pt x="0" y="0"/>
-                </a:moveTo>
-                <a:lnTo>
-                  <a:pt x="120000" y="0"/>
-                </a:lnTo>
-                <a:lnTo>
-                  <a:pt x="120000" y="120000"/>
-                </a:lnTo>
-                <a:lnTo>
-                  <a:pt x="0" y="120000"/>
-                </a:lnTo>
-                <a:close/>
-              </a:path>
-            </a:pathLst>
-          </a:custGeom>
-        </p:spPr>
-      </p:sp>
-      <p:sp>
-        <p:nvSpPr>
-          <p:cNvPr id="267" name="Shape 267"/>
-          <p:cNvSpPr txBox="1">
-            <a:spLocks noGrp="1"/>
-          </p:cNvSpPr>
-          <p:nvPr>
-            <p:ph type="body" idx="1"/>
-          </p:nvPr>
-        </p:nvSpPr>
-        <p:spPr>
-          <a:xfrm>
-            <a:off x="685800" y="4343400"/>
-            <a:ext cx="5486399" cy="4114800"/>
-          </a:xfrm>
-          <a:prstGeom prst="rect">
-            <a:avLst/>
-          </a:prstGeom>
-        </p:spPr>
-        <p:txBody>
-          <a:bodyPr lIns="91425" tIns="91425" rIns="91425" bIns="91425" anchor="t" anchorCtr="0">
-            <a:noAutofit/>
-          </a:bodyPr>
-          <a:lstStyle/>
-          <a:p>
-            <a:pPr lvl="0">
-              <a:spcBef>
-                <a:spcPts val="0"/>
-              </a:spcBef>
-              <a:buNone/>
-            </a:pPr>
-            <a:endParaRPr/>
-          </a:p>
-        </p:txBody>
-      </p:sp>
-    </p:spTree>
-    <p:extLst>
-      <p:ext uri="{BB962C8B-B14F-4D97-AF65-F5344CB8AC3E}">
-        <p14:creationId xmlns:p14="http://schemas.microsoft.com/office/powerpoint/2010/main" val="480499474"/>
-      </p:ext>
-    </p:extLst>
-  </p:cSld>
-  <p:clrMapOvr>
-    <a:masterClrMapping/>
-  </p:clrMapOvr>
-</p:notes>
-</file>
-
-<file path=ppt/notesSlides/notesSlide44.xml><?xml version="1.0" encoding="utf-8"?>
-<p:notes xmlns:a="http://schemas.openxmlformats.org/drawingml/2006/main" xmlns:r="http://schemas.openxmlformats.org/officeDocument/2006/relationships" xmlns:p="http://schemas.openxmlformats.org/presentationml/2006/main" showMasterSp="0" showMasterPhAnim="0">
-  <p:cSld>
-    <p:spTree>
-      <p:nvGrpSpPr>
-        <p:cNvPr id="1" name="Shape 265"/>
-        <p:cNvGrpSpPr/>
-        <p:nvPr/>
-      </p:nvGrpSpPr>
-      <p:grpSpPr>
-        <a:xfrm>
-          <a:off x="0" y="0"/>
-          <a:ext cx="0" cy="0"/>
-          <a:chOff x="0" y="0"/>
-          <a:chExt cx="0" cy="0"/>
-        </a:xfrm>
-      </p:grpSpPr>
-      <p:sp>
-        <p:nvSpPr>
-          <p:cNvPr id="266" name="Shape 266"/>
-          <p:cNvSpPr>
-            <a:spLocks noGrp="1" noRot="1" noChangeAspect="1"/>
-          </p:cNvSpPr>
-          <p:nvPr>
-            <p:ph type="sldImg" idx="2"/>
-          </p:nvPr>
-        </p:nvSpPr>
-        <p:spPr>
-          <a:xfrm>
-            <a:off x="381000" y="685800"/>
-            <a:ext cx="6096000" cy="3429000"/>
-          </a:xfrm>
-          <a:custGeom>
-            <a:avLst/>
-            <a:gdLst/>
-            <a:ahLst/>
-            <a:cxnLst/>
-            <a:rect l="0" t="0" r="0" b="0"/>
-            <a:pathLst>
-              <a:path w="120000" h="120000" extrusionOk="0">
-                <a:moveTo>
-                  <a:pt x="0" y="0"/>
-                </a:moveTo>
-                <a:lnTo>
-                  <a:pt x="120000" y="0"/>
-                </a:lnTo>
-                <a:lnTo>
-                  <a:pt x="120000" y="120000"/>
-                </a:lnTo>
-                <a:lnTo>
-                  <a:pt x="0" y="120000"/>
-                </a:lnTo>
-                <a:close/>
-              </a:path>
-            </a:pathLst>
-          </a:custGeom>
-        </p:spPr>
-      </p:sp>
-      <p:sp>
-        <p:nvSpPr>
-          <p:cNvPr id="267" name="Shape 267"/>
-          <p:cNvSpPr txBox="1">
-            <a:spLocks noGrp="1"/>
-          </p:cNvSpPr>
-          <p:nvPr>
-            <p:ph type="body" idx="1"/>
-          </p:nvPr>
-        </p:nvSpPr>
-        <p:spPr>
-          <a:xfrm>
-            <a:off x="685800" y="4343400"/>
-            <a:ext cx="5486399" cy="4114800"/>
-          </a:xfrm>
-          <a:prstGeom prst="rect">
-            <a:avLst/>
-          </a:prstGeom>
-        </p:spPr>
-        <p:txBody>
-          <a:bodyPr lIns="91425" tIns="91425" rIns="91425" bIns="91425" anchor="t" anchorCtr="0">
-            <a:noAutofit/>
-          </a:bodyPr>
-          <a:lstStyle/>
-          <a:p>
-            <a:pPr lvl="0">
-              <a:spcBef>
-                <a:spcPts val="0"/>
-              </a:spcBef>
-              <a:buNone/>
-            </a:pPr>
-            <a:endParaRPr/>
-          </a:p>
-        </p:txBody>
-      </p:sp>
-    </p:spTree>
-    <p:extLst>
-      <p:ext uri="{BB962C8B-B14F-4D97-AF65-F5344CB8AC3E}">
-        <p14:creationId xmlns:p14="http://schemas.microsoft.com/office/powerpoint/2010/main" val="263692087"/>
       </p:ext>
     </p:extLst>
   </p:cSld>
@@ -35548,83 +34906,6 @@
 </p:sld>
 </file>
 
-<file path=ppt/slides/slide39.xml><?xml version="1.0" encoding="utf-8"?>
-<p:sld xmlns:a="http://schemas.openxmlformats.org/drawingml/2006/main" xmlns:r="http://schemas.openxmlformats.org/officeDocument/2006/relationships" xmlns:p="http://schemas.openxmlformats.org/presentationml/2006/main">
-  <p:cSld>
-    <p:spTree>
-      <p:nvGrpSpPr>
-        <p:cNvPr id="1" name="Shape 268"/>
-        <p:cNvGrpSpPr/>
-        <p:nvPr/>
-      </p:nvGrpSpPr>
-      <p:grpSpPr>
-        <a:xfrm>
-          <a:off x="0" y="0"/>
-          <a:ext cx="0" cy="0"/>
-          <a:chOff x="0" y="0"/>
-          <a:chExt cx="0" cy="0"/>
-        </a:xfrm>
-      </p:grpSpPr>
-      <p:sp>
-        <p:nvSpPr>
-          <p:cNvPr id="269" name="Shape 269"/>
-          <p:cNvSpPr txBox="1">
-            <a:spLocks noGrp="1"/>
-          </p:cNvSpPr>
-          <p:nvPr>
-            <p:ph type="title"/>
-          </p:nvPr>
-        </p:nvSpPr>
-        <p:spPr>
-          <a:xfrm>
-            <a:off x="100454" y="2206752"/>
-            <a:ext cx="7407000" cy="1063500"/>
-          </a:xfrm>
-          <a:prstGeom prst="rect">
-            <a:avLst/>
-          </a:prstGeom>
-        </p:spPr>
-        <p:txBody>
-          <a:bodyPr lIns="91425" tIns="91425" rIns="91425" bIns="91425" anchor="ctr" anchorCtr="0">
-            <a:noAutofit/>
-          </a:bodyPr>
-          <a:lstStyle/>
-          <a:p>
-            <a:pPr lvl="0" algn="l" rtl="0">
-              <a:spcBef>
-                <a:spcPts val="0"/>
-              </a:spcBef>
-              <a:buNone/>
-            </a:pPr>
-            <a:r>
-              <a:rPr lang="en-MY" dirty="0">
-                <a:solidFill>
-                  <a:schemeClr val="tx1"/>
-                </a:solidFill>
-              </a:rPr>
-              <a:t>REST</a:t>
-            </a:r>
-            <a:endParaRPr lang="en" dirty="0">
-              <a:solidFill>
-                <a:schemeClr val="tx1"/>
-              </a:solidFill>
-            </a:endParaRPr>
-          </a:p>
-        </p:txBody>
-      </p:sp>
-    </p:spTree>
-    <p:extLst>
-      <p:ext uri="{BB962C8B-B14F-4D97-AF65-F5344CB8AC3E}">
-        <p14:creationId xmlns:p14="http://schemas.microsoft.com/office/powerpoint/2010/main" val="3200987747"/>
-      </p:ext>
-    </p:extLst>
-  </p:cSld>
-  <p:clrMapOvr>
-    <a:masterClrMapping/>
-  </p:clrMapOvr>
-</p:sld>
-</file>
-
 <file path=ppt/slides/slide4.xml><?xml version="1.0" encoding="utf-8"?>
 <p:sld xmlns:a="http://schemas.openxmlformats.org/drawingml/2006/main" xmlns:r="http://schemas.openxmlformats.org/officeDocument/2006/relationships" xmlns:p="http://schemas.openxmlformats.org/presentationml/2006/main">
   <p:cSld>
@@ -36238,3341 +35519,6 @@
     <p:extLst>
       <p:ext uri="{BB962C8B-B14F-4D97-AF65-F5344CB8AC3E}">
         <p14:creationId xmlns:p14="http://schemas.microsoft.com/office/powerpoint/2010/main" val="2283229127"/>
-      </p:ext>
-    </p:extLst>
-  </p:cSld>
-  <p:clrMapOvr>
-    <a:masterClrMapping/>
-  </p:clrMapOvr>
-</p:sld>
-</file>
-
-<file path=ppt/slides/slide40.xml><?xml version="1.0" encoding="utf-8"?>
-<p:sld xmlns:a="http://schemas.openxmlformats.org/drawingml/2006/main" xmlns:r="http://schemas.openxmlformats.org/officeDocument/2006/relationships" xmlns:p="http://schemas.openxmlformats.org/presentationml/2006/main">
-  <p:cSld>
-    <p:spTree>
-      <p:nvGrpSpPr>
-        <p:cNvPr id="1" name="Shape 268"/>
-        <p:cNvGrpSpPr/>
-        <p:nvPr/>
-      </p:nvGrpSpPr>
-      <p:grpSpPr>
-        <a:xfrm>
-          <a:off x="0" y="0"/>
-          <a:ext cx="0" cy="0"/>
-          <a:chOff x="0" y="0"/>
-          <a:chExt cx="0" cy="0"/>
-        </a:xfrm>
-      </p:grpSpPr>
-      <p:sp>
-        <p:nvSpPr>
-          <p:cNvPr id="269" name="Shape 269"/>
-          <p:cNvSpPr txBox="1">
-            <a:spLocks noGrp="1"/>
-          </p:cNvSpPr>
-          <p:nvPr>
-            <p:ph type="title"/>
-          </p:nvPr>
-        </p:nvSpPr>
-        <p:spPr>
-          <a:xfrm>
-            <a:off x="868550" y="0"/>
-            <a:ext cx="7407000" cy="1063500"/>
-          </a:xfrm>
-          <a:prstGeom prst="rect">
-            <a:avLst/>
-          </a:prstGeom>
-        </p:spPr>
-        <p:txBody>
-          <a:bodyPr lIns="91425" tIns="91425" rIns="91425" bIns="91425" anchor="ctr" anchorCtr="0">
-            <a:noAutofit/>
-          </a:bodyPr>
-          <a:lstStyle/>
-          <a:p>
-            <a:pPr lvl="0" rtl="0">
-              <a:spcBef>
-                <a:spcPts val="0"/>
-              </a:spcBef>
-              <a:buNone/>
-            </a:pPr>
-            <a:r>
-              <a:rPr lang="en-MY" dirty="0"/>
-              <a:t>REST</a:t>
-            </a:r>
-            <a:endParaRPr lang="en" dirty="0"/>
-          </a:p>
-        </p:txBody>
-      </p:sp>
-      <p:sp>
-        <p:nvSpPr>
-          <p:cNvPr id="6" name="Text Placeholder 3">
-            <a:extLst>
-              <a:ext uri="{FF2B5EF4-FFF2-40B4-BE49-F238E27FC236}">
-                <a16:creationId xmlns:a16="http://schemas.microsoft.com/office/drawing/2014/main" id="{D184AA21-57D2-44D2-B24A-92EB479865E1}"/>
-              </a:ext>
-            </a:extLst>
-          </p:cNvPr>
-          <p:cNvSpPr txBox="1">
-            <a:spLocks/>
-          </p:cNvSpPr>
-          <p:nvPr/>
-        </p:nvSpPr>
-        <p:spPr>
-          <a:xfrm>
-            <a:off x="457200" y="1063500"/>
-            <a:ext cx="8229600" cy="2339072"/>
-          </a:xfrm>
-          <a:prstGeom prst="rect">
-            <a:avLst/>
-          </a:prstGeom>
-          <a:noFill/>
-          <a:ln>
-            <a:noFill/>
-          </a:ln>
-        </p:spPr>
-        <p:txBody>
-          <a:bodyPr lIns="91425" tIns="91425" rIns="91425" bIns="91425" anchor="t" anchorCtr="0">
-            <a:spAutoFit/>
-          </a:bodyPr>
-          <a:lstStyle>
-            <a:defPPr marR="0" lvl="0" algn="l" rtl="0">
-              <a:lnSpc>
-                <a:spcPct val="100000"/>
-              </a:lnSpc>
-              <a:spcBef>
-                <a:spcPts val="0"/>
-              </a:spcBef>
-              <a:spcAft>
-                <a:spcPts val="0"/>
-              </a:spcAft>
-            </a:defPPr>
-            <a:lvl1pPr marR="0" lvl="0" algn="l" rtl="0">
-              <a:lnSpc>
-                <a:spcPct val="100000"/>
-              </a:lnSpc>
-              <a:spcBef>
-                <a:spcPts val="600"/>
-              </a:spcBef>
-              <a:spcAft>
-                <a:spcPts val="0"/>
-              </a:spcAft>
-              <a:buClr>
-                <a:srgbClr val="7BD100"/>
-              </a:buClr>
-              <a:buSzPct val="100000"/>
-              <a:buFont typeface="Varela Round"/>
-              <a:buChar char="×"/>
-              <a:defRPr sz="3000" b="0" i="0" u="none" strike="noStrike" cap="none">
-                <a:solidFill>
-                  <a:srgbClr val="546973"/>
-                </a:solidFill>
-                <a:latin typeface="Varela Round"/>
-                <a:ea typeface="Varela Round"/>
-                <a:cs typeface="Varela Round"/>
-                <a:sym typeface="Varela Round"/>
-              </a:defRPr>
-            </a:lvl1pPr>
-            <a:lvl2pPr marR="0" lvl="1" algn="l" rtl="0">
-              <a:lnSpc>
-                <a:spcPct val="100000"/>
-              </a:lnSpc>
-              <a:spcBef>
-                <a:spcPts val="480"/>
-              </a:spcBef>
-              <a:spcAft>
-                <a:spcPts val="0"/>
-              </a:spcAft>
-              <a:buClr>
-                <a:srgbClr val="7BD100"/>
-              </a:buClr>
-              <a:buSzPct val="100000"/>
-              <a:buFont typeface="Varela Round"/>
-              <a:buChar char="×"/>
-              <a:defRPr sz="2400" b="0" i="0" u="none" strike="noStrike" cap="none">
-                <a:solidFill>
-                  <a:srgbClr val="546973"/>
-                </a:solidFill>
-                <a:latin typeface="Varela Round"/>
-                <a:ea typeface="Varela Round"/>
-                <a:cs typeface="Varela Round"/>
-                <a:sym typeface="Varela Round"/>
-              </a:defRPr>
-            </a:lvl2pPr>
-            <a:lvl3pPr marR="0" lvl="2" algn="l" rtl="0">
-              <a:lnSpc>
-                <a:spcPct val="100000"/>
-              </a:lnSpc>
-              <a:spcBef>
-                <a:spcPts val="480"/>
-              </a:spcBef>
-              <a:spcAft>
-                <a:spcPts val="0"/>
-              </a:spcAft>
-              <a:buClr>
-                <a:srgbClr val="7BD100"/>
-              </a:buClr>
-              <a:buSzPct val="100000"/>
-              <a:buFont typeface="Varela Round"/>
-              <a:buChar char="×"/>
-              <a:defRPr sz="2400" b="0" i="0" u="none" strike="noStrike" cap="none">
-                <a:solidFill>
-                  <a:srgbClr val="546973"/>
-                </a:solidFill>
-                <a:latin typeface="Varela Round"/>
-                <a:ea typeface="Varela Round"/>
-                <a:cs typeface="Varela Round"/>
-                <a:sym typeface="Varela Round"/>
-              </a:defRPr>
-            </a:lvl3pPr>
-            <a:lvl4pPr marR="0" lvl="3" algn="l" rtl="0">
-              <a:lnSpc>
-                <a:spcPct val="100000"/>
-              </a:lnSpc>
-              <a:spcBef>
-                <a:spcPts val="360"/>
-              </a:spcBef>
-              <a:spcAft>
-                <a:spcPts val="0"/>
-              </a:spcAft>
-              <a:buClr>
-                <a:srgbClr val="7BD100"/>
-              </a:buClr>
-              <a:buSzPct val="100000"/>
-              <a:buFont typeface="Varela Round"/>
-              <a:buChar char="×"/>
-              <a:defRPr sz="1800" b="0" i="0" u="none" strike="noStrike" cap="none">
-                <a:solidFill>
-                  <a:srgbClr val="546973"/>
-                </a:solidFill>
-                <a:latin typeface="Varela Round"/>
-                <a:ea typeface="Varela Round"/>
-                <a:cs typeface="Varela Round"/>
-                <a:sym typeface="Varela Round"/>
-              </a:defRPr>
-            </a:lvl4pPr>
-            <a:lvl5pPr marR="0" lvl="4" algn="l" rtl="0">
-              <a:lnSpc>
-                <a:spcPct val="100000"/>
-              </a:lnSpc>
-              <a:spcBef>
-                <a:spcPts val="360"/>
-              </a:spcBef>
-              <a:spcAft>
-                <a:spcPts val="0"/>
-              </a:spcAft>
-              <a:buClr>
-                <a:srgbClr val="7BD100"/>
-              </a:buClr>
-              <a:buSzPct val="100000"/>
-              <a:buFont typeface="Varela Round"/>
-              <a:buChar char="×"/>
-              <a:defRPr sz="1800" b="0" i="0" u="none" strike="noStrike" cap="none">
-                <a:solidFill>
-                  <a:srgbClr val="546973"/>
-                </a:solidFill>
-                <a:latin typeface="Varela Round"/>
-                <a:ea typeface="Varela Round"/>
-                <a:cs typeface="Varela Round"/>
-                <a:sym typeface="Varela Round"/>
-              </a:defRPr>
-            </a:lvl5pPr>
-            <a:lvl6pPr marR="0" lvl="5" algn="l" rtl="0">
-              <a:lnSpc>
-                <a:spcPct val="100000"/>
-              </a:lnSpc>
-              <a:spcBef>
-                <a:spcPts val="360"/>
-              </a:spcBef>
-              <a:spcAft>
-                <a:spcPts val="0"/>
-              </a:spcAft>
-              <a:buClr>
-                <a:srgbClr val="7BD100"/>
-              </a:buClr>
-              <a:buSzPct val="100000"/>
-              <a:buFont typeface="Varela Round"/>
-              <a:buChar char="×"/>
-              <a:defRPr sz="1800" b="0" i="0" u="none" strike="noStrike" cap="none">
-                <a:solidFill>
-                  <a:srgbClr val="546973"/>
-                </a:solidFill>
-                <a:latin typeface="Varela Round"/>
-                <a:ea typeface="Varela Round"/>
-                <a:cs typeface="Varela Round"/>
-                <a:sym typeface="Varela Round"/>
-              </a:defRPr>
-            </a:lvl6pPr>
-            <a:lvl7pPr marR="0" lvl="6" algn="l" rtl="0">
-              <a:lnSpc>
-                <a:spcPct val="100000"/>
-              </a:lnSpc>
-              <a:spcBef>
-                <a:spcPts val="360"/>
-              </a:spcBef>
-              <a:spcAft>
-                <a:spcPts val="0"/>
-              </a:spcAft>
-              <a:buClr>
-                <a:srgbClr val="546973"/>
-              </a:buClr>
-              <a:buSzPct val="100000"/>
-              <a:buFont typeface="Varela Round"/>
-              <a:buNone/>
-              <a:defRPr sz="1800" b="0" i="0" u="none" strike="noStrike" cap="none">
-                <a:solidFill>
-                  <a:srgbClr val="546973"/>
-                </a:solidFill>
-                <a:latin typeface="Varela Round"/>
-                <a:ea typeface="Varela Round"/>
-                <a:cs typeface="Varela Round"/>
-                <a:sym typeface="Varela Round"/>
-              </a:defRPr>
-            </a:lvl7pPr>
-            <a:lvl8pPr marR="0" lvl="7" algn="l" rtl="0">
-              <a:lnSpc>
-                <a:spcPct val="100000"/>
-              </a:lnSpc>
-              <a:spcBef>
-                <a:spcPts val="360"/>
-              </a:spcBef>
-              <a:spcAft>
-                <a:spcPts val="0"/>
-              </a:spcAft>
-              <a:buClr>
-                <a:srgbClr val="546973"/>
-              </a:buClr>
-              <a:buSzPct val="100000"/>
-              <a:buFont typeface="Varela Round"/>
-              <a:buNone/>
-              <a:defRPr sz="1800" b="0" i="0" u="none" strike="noStrike" cap="none">
-                <a:solidFill>
-                  <a:srgbClr val="546973"/>
-                </a:solidFill>
-                <a:latin typeface="Varela Round"/>
-                <a:ea typeface="Varela Round"/>
-                <a:cs typeface="Varela Round"/>
-                <a:sym typeface="Varela Round"/>
-              </a:defRPr>
-            </a:lvl8pPr>
-            <a:lvl9pPr marR="0" lvl="8" algn="l" rtl="0">
-              <a:lnSpc>
-                <a:spcPct val="100000"/>
-              </a:lnSpc>
-              <a:spcBef>
-                <a:spcPts val="360"/>
-              </a:spcBef>
-              <a:spcAft>
-                <a:spcPts val="0"/>
-              </a:spcAft>
-              <a:buClr>
-                <a:srgbClr val="546973"/>
-              </a:buClr>
-              <a:buSzPct val="100000"/>
-              <a:buFont typeface="Varela Round"/>
-              <a:buNone/>
-              <a:defRPr sz="1800" b="0" i="0" u="none" strike="noStrike" cap="none">
-                <a:solidFill>
-                  <a:srgbClr val="546973"/>
-                </a:solidFill>
-                <a:latin typeface="Varela Round"/>
-                <a:ea typeface="Varela Round"/>
-                <a:cs typeface="Varela Round"/>
-                <a:sym typeface="Varela Round"/>
-              </a:defRPr>
-            </a:lvl9pPr>
-          </a:lstStyle>
-          <a:p>
-            <a:pPr lvl="1">
-              <a:spcBef>
-                <a:spcPts val="598"/>
-              </a:spcBef>
-              <a:buClr>
-                <a:srgbClr val="33928A"/>
-              </a:buClr>
-              <a:buNone/>
-              <a:tabLst>
-                <a:tab pos="114120" algn="l"/>
-                <a:tab pos="571320" algn="l"/>
-                <a:tab pos="1028519" algn="l"/>
-                <a:tab pos="1485719" algn="l"/>
-                <a:tab pos="1942919" algn="l"/>
-                <a:tab pos="2400119" algn="l"/>
-                <a:tab pos="2857320" algn="l"/>
-                <a:tab pos="3314519" algn="l"/>
-                <a:tab pos="3771720" algn="l"/>
-                <a:tab pos="4228919" algn="l"/>
-                <a:tab pos="4686120" algn="l"/>
-                <a:tab pos="5143320" algn="l"/>
-                <a:tab pos="5600520" algn="l"/>
-                <a:tab pos="6057720" algn="l"/>
-                <a:tab pos="6514920" algn="l"/>
-                <a:tab pos="6972120" algn="l"/>
-                <a:tab pos="7429320" algn="l"/>
-                <a:tab pos="7886520" algn="l"/>
-                <a:tab pos="8343720" algn="l"/>
-                <a:tab pos="8800920" algn="l"/>
-              </a:tabLst>
-            </a:pPr>
-            <a:r>
-              <a:rPr lang="en-US" sz="2000" dirty="0"/>
-              <a:t>REST is an architectural style that describes best practices to expose web services over HTTP</a:t>
-            </a:r>
-          </a:p>
-          <a:p>
-            <a:pPr lvl="1">
-              <a:spcBef>
-                <a:spcPts val="598"/>
-              </a:spcBef>
-              <a:buClr>
-                <a:srgbClr val="33928A"/>
-              </a:buClr>
-              <a:buNone/>
-              <a:tabLst>
-                <a:tab pos="114120" algn="l"/>
-                <a:tab pos="571320" algn="l"/>
-                <a:tab pos="1028519" algn="l"/>
-                <a:tab pos="1485719" algn="l"/>
-                <a:tab pos="1942919" algn="l"/>
-                <a:tab pos="2400119" algn="l"/>
-                <a:tab pos="2857320" algn="l"/>
-                <a:tab pos="3314519" algn="l"/>
-                <a:tab pos="3771720" algn="l"/>
-                <a:tab pos="4228919" algn="l"/>
-                <a:tab pos="4686120" algn="l"/>
-                <a:tab pos="5143320" algn="l"/>
-                <a:tab pos="5600520" algn="l"/>
-                <a:tab pos="6057720" algn="l"/>
-                <a:tab pos="6514920" algn="l"/>
-                <a:tab pos="6972120" algn="l"/>
-                <a:tab pos="7429320" algn="l"/>
-                <a:tab pos="7886520" algn="l"/>
-                <a:tab pos="8343720" algn="l"/>
-                <a:tab pos="8800920" algn="l"/>
-              </a:tabLst>
-            </a:pPr>
-            <a:r>
-              <a:rPr lang="en-US" sz="2000" dirty="0"/>
-              <a:t>- </a:t>
-            </a:r>
-            <a:r>
-              <a:rPr lang="en-US" sz="2000" dirty="0" err="1"/>
-              <a:t>REpresentational</a:t>
-            </a:r>
-            <a:r>
-              <a:rPr lang="en-US" sz="2000" dirty="0"/>
-              <a:t> State Transfer, term by Roy Fielding</a:t>
-            </a:r>
-          </a:p>
-          <a:p>
-            <a:pPr lvl="1">
-              <a:spcBef>
-                <a:spcPts val="598"/>
-              </a:spcBef>
-              <a:buClr>
-                <a:srgbClr val="33928A"/>
-              </a:buClr>
-              <a:buNone/>
-              <a:tabLst>
-                <a:tab pos="114120" algn="l"/>
-                <a:tab pos="571320" algn="l"/>
-                <a:tab pos="1028519" algn="l"/>
-                <a:tab pos="1485719" algn="l"/>
-                <a:tab pos="1942919" algn="l"/>
-                <a:tab pos="2400119" algn="l"/>
-                <a:tab pos="2857320" algn="l"/>
-                <a:tab pos="3314519" algn="l"/>
-                <a:tab pos="3771720" algn="l"/>
-                <a:tab pos="4228919" algn="l"/>
-                <a:tab pos="4686120" algn="l"/>
-                <a:tab pos="5143320" algn="l"/>
-                <a:tab pos="5600520" algn="l"/>
-                <a:tab pos="6057720" algn="l"/>
-                <a:tab pos="6514920" algn="l"/>
-                <a:tab pos="6972120" algn="l"/>
-                <a:tab pos="7429320" algn="l"/>
-                <a:tab pos="7886520" algn="l"/>
-                <a:tab pos="8343720" algn="l"/>
-                <a:tab pos="8800920" algn="l"/>
-              </a:tabLst>
-            </a:pPr>
-            <a:r>
-              <a:rPr lang="en-US" sz="2000" dirty="0"/>
-              <a:t>- HTTP as application protocol, not just transport</a:t>
-            </a:r>
-          </a:p>
-          <a:p>
-            <a:pPr lvl="1">
-              <a:spcBef>
-                <a:spcPts val="598"/>
-              </a:spcBef>
-              <a:buClr>
-                <a:srgbClr val="33928A"/>
-              </a:buClr>
-              <a:buNone/>
-              <a:tabLst>
-                <a:tab pos="114120" algn="l"/>
-                <a:tab pos="571320" algn="l"/>
-                <a:tab pos="1028519" algn="l"/>
-                <a:tab pos="1485719" algn="l"/>
-                <a:tab pos="1942919" algn="l"/>
-                <a:tab pos="2400119" algn="l"/>
-                <a:tab pos="2857320" algn="l"/>
-                <a:tab pos="3314519" algn="l"/>
-                <a:tab pos="3771720" algn="l"/>
-                <a:tab pos="4228919" algn="l"/>
-                <a:tab pos="4686120" algn="l"/>
-                <a:tab pos="5143320" algn="l"/>
-                <a:tab pos="5600520" algn="l"/>
-                <a:tab pos="6057720" algn="l"/>
-                <a:tab pos="6514920" algn="l"/>
-                <a:tab pos="6972120" algn="l"/>
-                <a:tab pos="7429320" algn="l"/>
-                <a:tab pos="7886520" algn="l"/>
-                <a:tab pos="8343720" algn="l"/>
-                <a:tab pos="8800920" algn="l"/>
-              </a:tabLst>
-            </a:pPr>
-            <a:r>
-              <a:rPr lang="en-US" sz="2000" dirty="0"/>
-              <a:t>- Emphasizes scalability</a:t>
-            </a:r>
-          </a:p>
-          <a:p>
-            <a:pPr lvl="1">
-              <a:spcBef>
-                <a:spcPts val="598"/>
-              </a:spcBef>
-              <a:buClr>
-                <a:srgbClr val="33928A"/>
-              </a:buClr>
-              <a:buNone/>
-              <a:tabLst>
-                <a:tab pos="114120" algn="l"/>
-                <a:tab pos="571320" algn="l"/>
-                <a:tab pos="1028519" algn="l"/>
-                <a:tab pos="1485719" algn="l"/>
-                <a:tab pos="1942919" algn="l"/>
-                <a:tab pos="2400119" algn="l"/>
-                <a:tab pos="2857320" algn="l"/>
-                <a:tab pos="3314519" algn="l"/>
-                <a:tab pos="3771720" algn="l"/>
-                <a:tab pos="4228919" algn="l"/>
-                <a:tab pos="4686120" algn="l"/>
-                <a:tab pos="5143320" algn="l"/>
-                <a:tab pos="5600520" algn="l"/>
-                <a:tab pos="6057720" algn="l"/>
-                <a:tab pos="6514920" algn="l"/>
-                <a:tab pos="6972120" algn="l"/>
-                <a:tab pos="7429320" algn="l"/>
-                <a:tab pos="7886520" algn="l"/>
-                <a:tab pos="8343720" algn="l"/>
-                <a:tab pos="8800920" algn="l"/>
-              </a:tabLst>
-            </a:pPr>
-            <a:r>
-              <a:rPr lang="en-US" sz="2000" dirty="0"/>
-              <a:t>- Not a framework or specification</a:t>
-            </a:r>
-          </a:p>
-        </p:txBody>
-      </p:sp>
-    </p:spTree>
-    <p:extLst>
-      <p:ext uri="{BB962C8B-B14F-4D97-AF65-F5344CB8AC3E}">
-        <p14:creationId xmlns:p14="http://schemas.microsoft.com/office/powerpoint/2010/main" val="904467243"/>
-      </p:ext>
-    </p:extLst>
-  </p:cSld>
-  <p:clrMapOvr>
-    <a:masterClrMapping/>
-  </p:clrMapOvr>
-</p:sld>
-</file>
-
-<file path=ppt/slides/slide41.xml><?xml version="1.0" encoding="utf-8"?>
-<p:sld xmlns:a="http://schemas.openxmlformats.org/drawingml/2006/main" xmlns:r="http://schemas.openxmlformats.org/officeDocument/2006/relationships" xmlns:p="http://schemas.openxmlformats.org/presentationml/2006/main">
-  <p:cSld>
-    <p:spTree>
-      <p:nvGrpSpPr>
-        <p:cNvPr id="1" name="Shape 268"/>
-        <p:cNvGrpSpPr/>
-        <p:nvPr/>
-      </p:nvGrpSpPr>
-      <p:grpSpPr>
-        <a:xfrm>
-          <a:off x="0" y="0"/>
-          <a:ext cx="0" cy="0"/>
-          <a:chOff x="0" y="0"/>
-          <a:chExt cx="0" cy="0"/>
-        </a:xfrm>
-      </p:grpSpPr>
-      <p:sp>
-        <p:nvSpPr>
-          <p:cNvPr id="269" name="Shape 269"/>
-          <p:cNvSpPr txBox="1">
-            <a:spLocks noGrp="1"/>
-          </p:cNvSpPr>
-          <p:nvPr>
-            <p:ph type="title"/>
-          </p:nvPr>
-        </p:nvSpPr>
-        <p:spPr>
-          <a:xfrm>
-            <a:off x="868550" y="0"/>
-            <a:ext cx="7407000" cy="1063500"/>
-          </a:xfrm>
-          <a:prstGeom prst="rect">
-            <a:avLst/>
-          </a:prstGeom>
-        </p:spPr>
-        <p:txBody>
-          <a:bodyPr lIns="91425" tIns="91425" rIns="91425" bIns="91425" anchor="ctr" anchorCtr="0">
-            <a:noAutofit/>
-          </a:bodyPr>
-          <a:lstStyle/>
-          <a:p>
-            <a:pPr lvl="0" rtl="0">
-              <a:spcBef>
-                <a:spcPts val="0"/>
-              </a:spcBef>
-              <a:buNone/>
-            </a:pPr>
-            <a:r>
-              <a:rPr lang="en-MY" dirty="0"/>
-              <a:t>REST principles</a:t>
-            </a:r>
-            <a:endParaRPr lang="en" dirty="0"/>
-          </a:p>
-        </p:txBody>
-      </p:sp>
-      <p:sp>
-        <p:nvSpPr>
-          <p:cNvPr id="6" name="Text Placeholder 3">
-            <a:extLst>
-              <a:ext uri="{FF2B5EF4-FFF2-40B4-BE49-F238E27FC236}">
-                <a16:creationId xmlns:a16="http://schemas.microsoft.com/office/drawing/2014/main" id="{D184AA21-57D2-44D2-B24A-92EB479865E1}"/>
-              </a:ext>
-            </a:extLst>
-          </p:cNvPr>
-          <p:cNvSpPr txBox="1">
-            <a:spLocks/>
-          </p:cNvSpPr>
-          <p:nvPr/>
-        </p:nvSpPr>
-        <p:spPr>
-          <a:xfrm>
-            <a:off x="457200" y="1063500"/>
-            <a:ext cx="8229600" cy="3570178"/>
-          </a:xfrm>
-          <a:prstGeom prst="rect">
-            <a:avLst/>
-          </a:prstGeom>
-          <a:noFill/>
-          <a:ln>
-            <a:noFill/>
-          </a:ln>
-        </p:spPr>
-        <p:txBody>
-          <a:bodyPr lIns="91425" tIns="91425" rIns="91425" bIns="91425" anchor="t" anchorCtr="0">
-            <a:spAutoFit/>
-          </a:bodyPr>
-          <a:lstStyle>
-            <a:defPPr marR="0" lvl="0" algn="l" rtl="0">
-              <a:lnSpc>
-                <a:spcPct val="100000"/>
-              </a:lnSpc>
-              <a:spcBef>
-                <a:spcPts val="0"/>
-              </a:spcBef>
-              <a:spcAft>
-                <a:spcPts val="0"/>
-              </a:spcAft>
-            </a:defPPr>
-            <a:lvl1pPr marR="0" lvl="0" algn="l" rtl="0">
-              <a:lnSpc>
-                <a:spcPct val="100000"/>
-              </a:lnSpc>
-              <a:spcBef>
-                <a:spcPts val="600"/>
-              </a:spcBef>
-              <a:spcAft>
-                <a:spcPts val="0"/>
-              </a:spcAft>
-              <a:buClr>
-                <a:srgbClr val="7BD100"/>
-              </a:buClr>
-              <a:buSzPct val="100000"/>
-              <a:buFont typeface="Varela Round"/>
-              <a:buChar char="×"/>
-              <a:defRPr sz="3000" b="0" i="0" u="none" strike="noStrike" cap="none">
-                <a:solidFill>
-                  <a:srgbClr val="546973"/>
-                </a:solidFill>
-                <a:latin typeface="Varela Round"/>
-                <a:ea typeface="Varela Round"/>
-                <a:cs typeface="Varela Round"/>
-                <a:sym typeface="Varela Round"/>
-              </a:defRPr>
-            </a:lvl1pPr>
-            <a:lvl2pPr marR="0" lvl="1" algn="l" rtl="0">
-              <a:lnSpc>
-                <a:spcPct val="100000"/>
-              </a:lnSpc>
-              <a:spcBef>
-                <a:spcPts val="480"/>
-              </a:spcBef>
-              <a:spcAft>
-                <a:spcPts val="0"/>
-              </a:spcAft>
-              <a:buClr>
-                <a:srgbClr val="7BD100"/>
-              </a:buClr>
-              <a:buSzPct val="100000"/>
-              <a:buFont typeface="Varela Round"/>
-              <a:buChar char="×"/>
-              <a:defRPr sz="2400" b="0" i="0" u="none" strike="noStrike" cap="none">
-                <a:solidFill>
-                  <a:srgbClr val="546973"/>
-                </a:solidFill>
-                <a:latin typeface="Varela Round"/>
-                <a:ea typeface="Varela Round"/>
-                <a:cs typeface="Varela Round"/>
-                <a:sym typeface="Varela Round"/>
-              </a:defRPr>
-            </a:lvl2pPr>
-            <a:lvl3pPr marR="0" lvl="2" algn="l" rtl="0">
-              <a:lnSpc>
-                <a:spcPct val="100000"/>
-              </a:lnSpc>
-              <a:spcBef>
-                <a:spcPts val="480"/>
-              </a:spcBef>
-              <a:spcAft>
-                <a:spcPts val="0"/>
-              </a:spcAft>
-              <a:buClr>
-                <a:srgbClr val="7BD100"/>
-              </a:buClr>
-              <a:buSzPct val="100000"/>
-              <a:buFont typeface="Varela Round"/>
-              <a:buChar char="×"/>
-              <a:defRPr sz="2400" b="0" i="0" u="none" strike="noStrike" cap="none">
-                <a:solidFill>
-                  <a:srgbClr val="546973"/>
-                </a:solidFill>
-                <a:latin typeface="Varela Round"/>
-                <a:ea typeface="Varela Round"/>
-                <a:cs typeface="Varela Round"/>
-                <a:sym typeface="Varela Round"/>
-              </a:defRPr>
-            </a:lvl3pPr>
-            <a:lvl4pPr marR="0" lvl="3" algn="l" rtl="0">
-              <a:lnSpc>
-                <a:spcPct val="100000"/>
-              </a:lnSpc>
-              <a:spcBef>
-                <a:spcPts val="360"/>
-              </a:spcBef>
-              <a:spcAft>
-                <a:spcPts val="0"/>
-              </a:spcAft>
-              <a:buClr>
-                <a:srgbClr val="7BD100"/>
-              </a:buClr>
-              <a:buSzPct val="100000"/>
-              <a:buFont typeface="Varela Round"/>
-              <a:buChar char="×"/>
-              <a:defRPr sz="1800" b="0" i="0" u="none" strike="noStrike" cap="none">
-                <a:solidFill>
-                  <a:srgbClr val="546973"/>
-                </a:solidFill>
-                <a:latin typeface="Varela Round"/>
-                <a:ea typeface="Varela Round"/>
-                <a:cs typeface="Varela Round"/>
-                <a:sym typeface="Varela Round"/>
-              </a:defRPr>
-            </a:lvl4pPr>
-            <a:lvl5pPr marR="0" lvl="4" algn="l" rtl="0">
-              <a:lnSpc>
-                <a:spcPct val="100000"/>
-              </a:lnSpc>
-              <a:spcBef>
-                <a:spcPts val="360"/>
-              </a:spcBef>
-              <a:spcAft>
-                <a:spcPts val="0"/>
-              </a:spcAft>
-              <a:buClr>
-                <a:srgbClr val="7BD100"/>
-              </a:buClr>
-              <a:buSzPct val="100000"/>
-              <a:buFont typeface="Varela Round"/>
-              <a:buChar char="×"/>
-              <a:defRPr sz="1800" b="0" i="0" u="none" strike="noStrike" cap="none">
-                <a:solidFill>
-                  <a:srgbClr val="546973"/>
-                </a:solidFill>
-                <a:latin typeface="Varela Round"/>
-                <a:ea typeface="Varela Round"/>
-                <a:cs typeface="Varela Round"/>
-                <a:sym typeface="Varela Round"/>
-              </a:defRPr>
-            </a:lvl5pPr>
-            <a:lvl6pPr marR="0" lvl="5" algn="l" rtl="0">
-              <a:lnSpc>
-                <a:spcPct val="100000"/>
-              </a:lnSpc>
-              <a:spcBef>
-                <a:spcPts val="360"/>
-              </a:spcBef>
-              <a:spcAft>
-                <a:spcPts val="0"/>
-              </a:spcAft>
-              <a:buClr>
-                <a:srgbClr val="7BD100"/>
-              </a:buClr>
-              <a:buSzPct val="100000"/>
-              <a:buFont typeface="Varela Round"/>
-              <a:buChar char="×"/>
-              <a:defRPr sz="1800" b="0" i="0" u="none" strike="noStrike" cap="none">
-                <a:solidFill>
-                  <a:srgbClr val="546973"/>
-                </a:solidFill>
-                <a:latin typeface="Varela Round"/>
-                <a:ea typeface="Varela Round"/>
-                <a:cs typeface="Varela Round"/>
-                <a:sym typeface="Varela Round"/>
-              </a:defRPr>
-            </a:lvl6pPr>
-            <a:lvl7pPr marR="0" lvl="6" algn="l" rtl="0">
-              <a:lnSpc>
-                <a:spcPct val="100000"/>
-              </a:lnSpc>
-              <a:spcBef>
-                <a:spcPts val="360"/>
-              </a:spcBef>
-              <a:spcAft>
-                <a:spcPts val="0"/>
-              </a:spcAft>
-              <a:buClr>
-                <a:srgbClr val="546973"/>
-              </a:buClr>
-              <a:buSzPct val="100000"/>
-              <a:buFont typeface="Varela Round"/>
-              <a:buNone/>
-              <a:defRPr sz="1800" b="0" i="0" u="none" strike="noStrike" cap="none">
-                <a:solidFill>
-                  <a:srgbClr val="546973"/>
-                </a:solidFill>
-                <a:latin typeface="Varela Round"/>
-                <a:ea typeface="Varela Round"/>
-                <a:cs typeface="Varela Round"/>
-                <a:sym typeface="Varela Round"/>
-              </a:defRPr>
-            </a:lvl7pPr>
-            <a:lvl8pPr marR="0" lvl="7" algn="l" rtl="0">
-              <a:lnSpc>
-                <a:spcPct val="100000"/>
-              </a:lnSpc>
-              <a:spcBef>
-                <a:spcPts val="360"/>
-              </a:spcBef>
-              <a:spcAft>
-                <a:spcPts val="0"/>
-              </a:spcAft>
-              <a:buClr>
-                <a:srgbClr val="546973"/>
-              </a:buClr>
-              <a:buSzPct val="100000"/>
-              <a:buFont typeface="Varela Round"/>
-              <a:buNone/>
-              <a:defRPr sz="1800" b="0" i="0" u="none" strike="noStrike" cap="none">
-                <a:solidFill>
-                  <a:srgbClr val="546973"/>
-                </a:solidFill>
-                <a:latin typeface="Varela Round"/>
-                <a:ea typeface="Varela Round"/>
-                <a:cs typeface="Varela Round"/>
-                <a:sym typeface="Varela Round"/>
-              </a:defRPr>
-            </a:lvl8pPr>
-            <a:lvl9pPr marR="0" lvl="8" algn="l" rtl="0">
-              <a:lnSpc>
-                <a:spcPct val="100000"/>
-              </a:lnSpc>
-              <a:spcBef>
-                <a:spcPts val="360"/>
-              </a:spcBef>
-              <a:spcAft>
-                <a:spcPts val="0"/>
-              </a:spcAft>
-              <a:buClr>
-                <a:srgbClr val="546973"/>
-              </a:buClr>
-              <a:buSzPct val="100000"/>
-              <a:buFont typeface="Varela Round"/>
-              <a:buNone/>
-              <a:defRPr sz="1800" b="0" i="0" u="none" strike="noStrike" cap="none">
-                <a:solidFill>
-                  <a:srgbClr val="546973"/>
-                </a:solidFill>
-                <a:latin typeface="Varela Round"/>
-                <a:ea typeface="Varela Round"/>
-                <a:cs typeface="Varela Round"/>
-                <a:sym typeface="Varela Round"/>
-              </a:defRPr>
-            </a:lvl9pPr>
-          </a:lstStyle>
-          <a:p>
-            <a:pPr lvl="0">
-              <a:buClr>
-                <a:srgbClr val="33928A"/>
-              </a:buClr>
-              <a:buNone/>
-            </a:pPr>
-            <a:r>
-              <a:rPr lang="en-US" sz="2000" dirty="0"/>
-              <a:t>Expose resources through URIs</a:t>
-            </a:r>
-          </a:p>
-          <a:p>
-            <a:pPr lvl="0">
-              <a:buClr>
-                <a:srgbClr val="33928A"/>
-              </a:buClr>
-              <a:buNone/>
-            </a:pPr>
-            <a:r>
-              <a:rPr lang="en-US" sz="2000" dirty="0"/>
-              <a:t>- Model nouns, not verbs</a:t>
-            </a:r>
-          </a:p>
-          <a:p>
-            <a:pPr lvl="0">
-              <a:buClr>
-                <a:srgbClr val="33928A"/>
-              </a:buClr>
-              <a:buNone/>
-            </a:pPr>
-            <a:r>
-              <a:rPr lang="en-US" sz="2000" dirty="0"/>
-              <a:t>- http://springbank.io/banking/accounts/123456789</a:t>
-            </a:r>
-          </a:p>
-          <a:p>
-            <a:pPr lvl="0">
-              <a:buClr>
-                <a:srgbClr val="33928A"/>
-              </a:buClr>
-              <a:buNone/>
-            </a:pPr>
-            <a:r>
-              <a:rPr lang="en-US" sz="2000" dirty="0"/>
-              <a:t>- Resources support limited set of operations</a:t>
-            </a:r>
-          </a:p>
-          <a:p>
-            <a:pPr lvl="0">
-              <a:buClr>
-                <a:srgbClr val="33928A"/>
-              </a:buClr>
-              <a:buNone/>
-            </a:pPr>
-            <a:r>
-              <a:rPr lang="en-US" sz="2000" dirty="0"/>
-              <a:t> GET, PUT, POST, DELETE in case of HTTP</a:t>
-            </a:r>
-          </a:p>
-          <a:p>
-            <a:pPr lvl="0">
-              <a:buClr>
-                <a:srgbClr val="33928A"/>
-              </a:buClr>
-              <a:buNone/>
-            </a:pPr>
-            <a:r>
-              <a:rPr lang="en-US" sz="2000" dirty="0"/>
-              <a:t>- All have well-defined semantics</a:t>
-            </a:r>
-          </a:p>
-          <a:p>
-            <a:pPr lvl="0">
-              <a:buClr>
-                <a:srgbClr val="33928A"/>
-              </a:buClr>
-              <a:buNone/>
-            </a:pPr>
-            <a:r>
-              <a:rPr lang="en-US" sz="2000" dirty="0"/>
-              <a:t>- Example: update an order</a:t>
-            </a:r>
-          </a:p>
-          <a:p>
-            <a:pPr lvl="0">
-              <a:buClr>
-                <a:srgbClr val="33928A"/>
-              </a:buClr>
-              <a:buNone/>
-            </a:pPr>
-            <a:r>
-              <a:rPr lang="en-US" sz="2000" dirty="0"/>
-              <a:t>PUT to /orders/123</a:t>
-            </a:r>
-          </a:p>
-          <a:p>
-            <a:pPr lvl="0">
-              <a:buClr>
-                <a:srgbClr val="33928A"/>
-              </a:buClr>
-              <a:buNone/>
-            </a:pPr>
-            <a:r>
-              <a:rPr lang="en-US" sz="2000" dirty="0"/>
-              <a:t>don't POST to /order/</a:t>
-            </a:r>
-            <a:r>
-              <a:rPr lang="en-US" sz="2000" dirty="0" err="1"/>
-              <a:t>edit?id</a:t>
-            </a:r>
-            <a:r>
-              <a:rPr lang="en-US" sz="2000" dirty="0"/>
-              <a:t>=123</a:t>
-            </a:r>
-          </a:p>
-        </p:txBody>
-      </p:sp>
-    </p:spTree>
-    <p:extLst>
-      <p:ext uri="{BB962C8B-B14F-4D97-AF65-F5344CB8AC3E}">
-        <p14:creationId xmlns:p14="http://schemas.microsoft.com/office/powerpoint/2010/main" val="4195147352"/>
-      </p:ext>
-    </p:extLst>
-  </p:cSld>
-  <p:clrMapOvr>
-    <a:masterClrMapping/>
-  </p:clrMapOvr>
-</p:sld>
-</file>
-
-<file path=ppt/slides/slide42.xml><?xml version="1.0" encoding="utf-8"?>
-<p:sld xmlns:a="http://schemas.openxmlformats.org/drawingml/2006/main" xmlns:r="http://schemas.openxmlformats.org/officeDocument/2006/relationships" xmlns:p="http://schemas.openxmlformats.org/presentationml/2006/main">
-  <p:cSld>
-    <p:spTree>
-      <p:nvGrpSpPr>
-        <p:cNvPr id="1" name="Shape 268"/>
-        <p:cNvGrpSpPr/>
-        <p:nvPr/>
-      </p:nvGrpSpPr>
-      <p:grpSpPr>
-        <a:xfrm>
-          <a:off x="0" y="0"/>
-          <a:ext cx="0" cy="0"/>
-          <a:chOff x="0" y="0"/>
-          <a:chExt cx="0" cy="0"/>
-        </a:xfrm>
-      </p:grpSpPr>
-      <p:sp>
-        <p:nvSpPr>
-          <p:cNvPr id="269" name="Shape 269"/>
-          <p:cNvSpPr txBox="1">
-            <a:spLocks noGrp="1"/>
-          </p:cNvSpPr>
-          <p:nvPr>
-            <p:ph type="title"/>
-          </p:nvPr>
-        </p:nvSpPr>
-        <p:spPr>
-          <a:xfrm>
-            <a:off x="868550" y="0"/>
-            <a:ext cx="7407000" cy="1063500"/>
-          </a:xfrm>
-          <a:prstGeom prst="rect">
-            <a:avLst/>
-          </a:prstGeom>
-        </p:spPr>
-        <p:txBody>
-          <a:bodyPr lIns="91425" tIns="91425" rIns="91425" bIns="91425" anchor="ctr" anchorCtr="0">
-            <a:noAutofit/>
-          </a:bodyPr>
-          <a:lstStyle/>
-          <a:p>
-            <a:pPr lvl="0" rtl="0">
-              <a:spcBef>
-                <a:spcPts val="0"/>
-              </a:spcBef>
-              <a:buNone/>
-            </a:pPr>
-            <a:r>
-              <a:rPr lang="en-MY" dirty="0"/>
-              <a:t>Using @</a:t>
-            </a:r>
-            <a:r>
-              <a:rPr lang="en-MY" dirty="0" err="1"/>
-              <a:t>RequestMapping</a:t>
-            </a:r>
-            <a:endParaRPr lang="en" dirty="0"/>
-          </a:p>
-        </p:txBody>
-      </p:sp>
-      <p:sp>
-        <p:nvSpPr>
-          <p:cNvPr id="6" name="Rectangle 4">
-            <a:extLst>
-              <a:ext uri="{FF2B5EF4-FFF2-40B4-BE49-F238E27FC236}">
-                <a16:creationId xmlns:a16="http://schemas.microsoft.com/office/drawing/2014/main" id="{BB742D47-27D6-4AAF-BEE9-22C56C12C11C}"/>
-              </a:ext>
-            </a:extLst>
-          </p:cNvPr>
-          <p:cNvSpPr/>
-          <p:nvPr/>
-        </p:nvSpPr>
-        <p:spPr>
-          <a:xfrm>
-            <a:off x="230040" y="974048"/>
-            <a:ext cx="8683920" cy="2648519"/>
-          </a:xfrm>
-          <a:custGeom>
-            <a:avLst/>
-            <a:gdLst>
-              <a:gd name="f0" fmla="val 0"/>
-              <a:gd name="f1" fmla="val 21600"/>
-            </a:gdLst>
-            <a:ahLst/>
-            <a:cxnLst>
-              <a:cxn ang="3cd4">
-                <a:pos x="hc" y="t"/>
-              </a:cxn>
-              <a:cxn ang="0">
-                <a:pos x="r" y="vc"/>
-              </a:cxn>
-              <a:cxn ang="cd4">
-                <a:pos x="hc" y="b"/>
-              </a:cxn>
-              <a:cxn ang="cd2">
-                <a:pos x="l" y="vc"/>
-              </a:cxn>
-            </a:cxnLst>
-            <a:rect l="l" t="t" r="r" b="b"/>
-            <a:pathLst>
-              <a:path w="21600" h="21600">
-                <a:moveTo>
-                  <a:pt x="f0" y="f0"/>
-                </a:moveTo>
-                <a:lnTo>
-                  <a:pt x="f1" y="f0"/>
-                </a:lnTo>
-                <a:lnTo>
-                  <a:pt x="f1" y="f1"/>
-                </a:lnTo>
-                <a:lnTo>
-                  <a:pt x="f0" y="f1"/>
-                </a:lnTo>
-                <a:lnTo>
-                  <a:pt x="f0" y="f0"/>
-                </a:lnTo>
-                <a:close/>
-              </a:path>
-            </a:pathLst>
-          </a:custGeom>
-          <a:solidFill>
-            <a:srgbClr val="FFFFCC"/>
-          </a:solidFill>
-          <a:ln w="12600">
-            <a:solidFill>
-              <a:srgbClr val="000000"/>
-            </a:solidFill>
-            <a:prstDash val="solid"/>
-            <a:miter/>
-          </a:ln>
-        </p:spPr>
-        <p:txBody>
-          <a:bodyPr vert="horz" wrap="square" lIns="90000" tIns="46800" rIns="90000" bIns="46800" anchor="t" anchorCtr="0" compatLnSpc="1">
-            <a:noAutofit/>
-          </a:bodyPr>
-          <a:lstStyle/>
-          <a:p>
-            <a:pPr marL="0" marR="0" lvl="0" indent="0" algn="l" rtl="0" hangingPunct="1">
-              <a:lnSpc>
-                <a:spcPct val="100000"/>
-              </a:lnSpc>
-              <a:spcBef>
-                <a:spcPts val="0"/>
-              </a:spcBef>
-              <a:spcAft>
-                <a:spcPts val="0"/>
-              </a:spcAft>
-              <a:buNone/>
-              <a:tabLst>
-                <a:tab pos="0" algn="l"/>
-                <a:tab pos="457200" algn="l"/>
-                <a:tab pos="914400" algn="l"/>
-                <a:tab pos="1371599" algn="l"/>
-                <a:tab pos="1828800" algn="l"/>
-                <a:tab pos="2286000" algn="l"/>
-                <a:tab pos="2743199" algn="l"/>
-                <a:tab pos="3200400" algn="l"/>
-                <a:tab pos="3657600" algn="l"/>
-                <a:tab pos="4114800" algn="l"/>
-                <a:tab pos="4572000" algn="l"/>
-                <a:tab pos="5029200" algn="l"/>
-                <a:tab pos="5486399" algn="l"/>
-                <a:tab pos="5943600" algn="l"/>
-                <a:tab pos="6400799" algn="l"/>
-                <a:tab pos="6858000" algn="l"/>
-                <a:tab pos="7315200" algn="l"/>
-                <a:tab pos="7772400" algn="l"/>
-                <a:tab pos="8229600" algn="l"/>
-                <a:tab pos="8686800" algn="l"/>
-                <a:tab pos="9144000" algn="l"/>
-              </a:tabLst>
-            </a:pPr>
-            <a:r>
-              <a:rPr lang="en-US" sz="1800" b="1" i="0" u="none" strike="noStrike" baseline="0">
-                <a:ln>
-                  <a:noFill/>
-                </a:ln>
-                <a:solidFill>
-                  <a:srgbClr val="646464"/>
-                </a:solidFill>
-                <a:latin typeface="Courier New" pitchFamily="50"/>
-                <a:ea typeface="Courier New" pitchFamily="49"/>
-                <a:cs typeface="Courier New" pitchFamily="49"/>
-              </a:rPr>
-              <a:t>@RequestMapping</a:t>
-            </a:r>
-            <a:r>
-              <a:rPr lang="en-US" sz="1800" b="0" i="0" u="none" strike="noStrike" baseline="0">
-                <a:ln>
-                  <a:noFill/>
-                </a:ln>
-                <a:solidFill>
-                  <a:srgbClr val="000000"/>
-                </a:solidFill>
-                <a:latin typeface="Courier New" pitchFamily="50"/>
-                <a:ea typeface="Courier New" pitchFamily="49"/>
-                <a:cs typeface="Courier New" pitchFamily="49"/>
-              </a:rPr>
-              <a:t>(path=</a:t>
-            </a:r>
-            <a:r>
-              <a:rPr lang="en-US" sz="1800" b="0" i="0" u="none" strike="noStrike" baseline="0">
-                <a:ln>
-                  <a:noFill/>
-                </a:ln>
-                <a:solidFill>
-                  <a:srgbClr val="2A00FF"/>
-                </a:solidFill>
-                <a:latin typeface="Courier New" pitchFamily="50"/>
-                <a:ea typeface="Courier New" pitchFamily="49"/>
-                <a:cs typeface="Courier New" pitchFamily="49"/>
-              </a:rPr>
-              <a:t>"/orders"</a:t>
-            </a:r>
-            <a:r>
-              <a:rPr lang="en-US" sz="1800" b="0" i="0" u="none" strike="noStrike" baseline="0">
-                <a:ln>
-                  <a:noFill/>
-                </a:ln>
-                <a:solidFill>
-                  <a:srgbClr val="000000"/>
-                </a:solidFill>
-                <a:latin typeface="Courier New" pitchFamily="50"/>
-                <a:ea typeface="Courier New" pitchFamily="49"/>
-                <a:cs typeface="Courier New" pitchFamily="49"/>
-              </a:rPr>
-              <a:t>, </a:t>
-            </a:r>
-            <a:r>
-              <a:rPr lang="en-US" sz="1800" b="1" i="0" u="none" strike="noStrike" baseline="0">
-                <a:ln>
-                  <a:noFill/>
-                </a:ln>
-                <a:solidFill>
-                  <a:srgbClr val="000000"/>
-                </a:solidFill>
-                <a:latin typeface="Courier New" pitchFamily="50"/>
-                <a:ea typeface="Courier New" pitchFamily="49"/>
-                <a:cs typeface="Courier New" pitchFamily="49"/>
-              </a:rPr>
-              <a:t>method=RequestMethod.</a:t>
-            </a:r>
-            <a:r>
-              <a:rPr lang="en-US" sz="1800" b="1" i="1" u="none" strike="noStrike" baseline="0">
-                <a:ln>
-                  <a:noFill/>
-                </a:ln>
-                <a:solidFill>
-                  <a:srgbClr val="0000C0"/>
-                </a:solidFill>
-                <a:latin typeface="Courier New" pitchFamily="50"/>
-                <a:ea typeface="Courier New" pitchFamily="49"/>
-                <a:cs typeface="Courier New" pitchFamily="49"/>
-              </a:rPr>
-              <a:t>DELETE</a:t>
-            </a:r>
-            <a:r>
-              <a:rPr lang="en-US" sz="1800" b="0" i="0" u="none" strike="noStrike" baseline="0">
-                <a:ln>
-                  <a:noFill/>
-                </a:ln>
-                <a:solidFill>
-                  <a:srgbClr val="000000"/>
-                </a:solidFill>
-                <a:latin typeface="Courier New" pitchFamily="50"/>
-                <a:ea typeface="Courier New" pitchFamily="49"/>
-                <a:cs typeface="Courier New" pitchFamily="49"/>
-              </a:rPr>
-              <a:t>)</a:t>
-            </a:r>
-          </a:p>
-          <a:p>
-            <a:pPr marL="0" marR="0" lvl="0" indent="0" algn="l" rtl="0" hangingPunct="1">
-              <a:lnSpc>
-                <a:spcPct val="100000"/>
-              </a:lnSpc>
-              <a:spcBef>
-                <a:spcPts val="0"/>
-              </a:spcBef>
-              <a:spcAft>
-                <a:spcPts val="0"/>
-              </a:spcAft>
-              <a:buNone/>
-              <a:tabLst>
-                <a:tab pos="0" algn="l"/>
-                <a:tab pos="457200" algn="l"/>
-                <a:tab pos="914400" algn="l"/>
-                <a:tab pos="1371599" algn="l"/>
-                <a:tab pos="1828800" algn="l"/>
-                <a:tab pos="2286000" algn="l"/>
-                <a:tab pos="2743199" algn="l"/>
-                <a:tab pos="3200400" algn="l"/>
-                <a:tab pos="3657600" algn="l"/>
-                <a:tab pos="4114800" algn="l"/>
-                <a:tab pos="4572000" algn="l"/>
-                <a:tab pos="5029200" algn="l"/>
-                <a:tab pos="5486399" algn="l"/>
-                <a:tab pos="5943600" algn="l"/>
-                <a:tab pos="6400799" algn="l"/>
-                <a:tab pos="6858000" algn="l"/>
-                <a:tab pos="7315200" algn="l"/>
-                <a:tab pos="7772400" algn="l"/>
-                <a:tab pos="8229600" algn="l"/>
-                <a:tab pos="8686800" algn="l"/>
-                <a:tab pos="9144000" algn="l"/>
-              </a:tabLst>
-            </a:pPr>
-            <a:r>
-              <a:rPr lang="en-US" sz="1800" b="1" i="0" u="none" strike="noStrike" baseline="0">
-                <a:ln>
-                  <a:noFill/>
-                </a:ln>
-                <a:solidFill>
-                  <a:srgbClr val="7F0055"/>
-                </a:solidFill>
-                <a:latin typeface="Courier New" pitchFamily="50"/>
-                <a:ea typeface="Courier New" pitchFamily="49"/>
-                <a:cs typeface="Courier New" pitchFamily="49"/>
-              </a:rPr>
-              <a:t>public</a:t>
-            </a:r>
-            <a:r>
-              <a:rPr lang="en-US" sz="1800" b="0" i="0" u="none" strike="noStrike" baseline="0">
-                <a:ln>
-                  <a:noFill/>
-                </a:ln>
-                <a:solidFill>
-                  <a:srgbClr val="000000"/>
-                </a:solidFill>
-                <a:latin typeface="Courier New" pitchFamily="50"/>
-                <a:ea typeface="Courier New" pitchFamily="49"/>
-                <a:cs typeface="Courier New" pitchFamily="49"/>
-              </a:rPr>
-              <a:t> </a:t>
-            </a:r>
-            <a:r>
-              <a:rPr lang="en-US" sz="1800" b="1" i="0" u="none" strike="noStrike" baseline="0">
-                <a:ln>
-                  <a:noFill/>
-                </a:ln>
-                <a:solidFill>
-                  <a:srgbClr val="7F0055"/>
-                </a:solidFill>
-                <a:latin typeface="Courier New" pitchFamily="50"/>
-                <a:ea typeface="Courier New" pitchFamily="49"/>
-                <a:cs typeface="Courier New" pitchFamily="49"/>
-              </a:rPr>
-              <a:t>void</a:t>
-            </a:r>
-            <a:r>
-              <a:rPr lang="en-US" sz="1800" b="0" i="0" u="none" strike="noStrike" baseline="0">
-                <a:ln>
-                  <a:noFill/>
-                </a:ln>
-                <a:solidFill>
-                  <a:srgbClr val="000000"/>
-                </a:solidFill>
-                <a:latin typeface="Courier New" pitchFamily="50"/>
-                <a:ea typeface="Courier New" pitchFamily="49"/>
-                <a:cs typeface="Courier New" pitchFamily="49"/>
-              </a:rPr>
-              <a:t> updateOrders( ... ) {</a:t>
-            </a:r>
-          </a:p>
-          <a:p>
-            <a:pPr marL="0" marR="0" lvl="0" indent="0" algn="l" rtl="0" hangingPunct="1">
-              <a:lnSpc>
-                <a:spcPct val="100000"/>
-              </a:lnSpc>
-              <a:spcBef>
-                <a:spcPts val="0"/>
-              </a:spcBef>
-              <a:spcAft>
-                <a:spcPts val="0"/>
-              </a:spcAft>
-              <a:buNone/>
-              <a:tabLst>
-                <a:tab pos="0" algn="l"/>
-                <a:tab pos="457200" algn="l"/>
-                <a:tab pos="914400" algn="l"/>
-                <a:tab pos="1371599" algn="l"/>
-                <a:tab pos="1828800" algn="l"/>
-                <a:tab pos="2286000" algn="l"/>
-                <a:tab pos="2743199" algn="l"/>
-                <a:tab pos="3200400" algn="l"/>
-                <a:tab pos="3657600" algn="l"/>
-                <a:tab pos="4114800" algn="l"/>
-                <a:tab pos="4572000" algn="l"/>
-                <a:tab pos="5029200" algn="l"/>
-                <a:tab pos="5486399" algn="l"/>
-                <a:tab pos="5943600" algn="l"/>
-                <a:tab pos="6400799" algn="l"/>
-                <a:tab pos="6858000" algn="l"/>
-                <a:tab pos="7315200" algn="l"/>
-                <a:tab pos="7772400" algn="l"/>
-                <a:tab pos="8229600" algn="l"/>
-                <a:tab pos="8686800" algn="l"/>
-                <a:tab pos="9144000" algn="l"/>
-              </a:tabLst>
-            </a:pPr>
-            <a:r>
-              <a:rPr lang="en-US" sz="1800" b="0" i="0" u="none" strike="noStrike" baseline="0">
-                <a:ln>
-                  <a:noFill/>
-                </a:ln>
-                <a:solidFill>
-                  <a:srgbClr val="000000"/>
-                </a:solidFill>
-                <a:latin typeface="Courier New" pitchFamily="50"/>
-                <a:ea typeface="Courier New" pitchFamily="49"/>
-                <a:cs typeface="Courier New" pitchFamily="49"/>
-              </a:rPr>
-              <a:t>   </a:t>
-            </a:r>
-            <a:r>
-              <a:rPr lang="en-US" sz="1800" b="0" i="0" u="none" strike="noStrike" baseline="0">
-                <a:ln>
-                  <a:noFill/>
-                </a:ln>
-                <a:solidFill>
-                  <a:srgbClr val="3F7F5F"/>
-                </a:solidFill>
-                <a:latin typeface="Courier New" pitchFamily="50"/>
-                <a:ea typeface="Courier New" pitchFamily="49"/>
-                <a:cs typeface="Courier New" pitchFamily="49"/>
-              </a:rPr>
-              <a:t>// delete all Orders</a:t>
-            </a:r>
-          </a:p>
-          <a:p>
-            <a:pPr marL="0" marR="0" lvl="0" indent="0" algn="l" rtl="0" hangingPunct="1">
-              <a:lnSpc>
-                <a:spcPct val="100000"/>
-              </a:lnSpc>
-              <a:spcBef>
-                <a:spcPts val="0"/>
-              </a:spcBef>
-              <a:spcAft>
-                <a:spcPts val="0"/>
-              </a:spcAft>
-              <a:buNone/>
-              <a:tabLst>
-                <a:tab pos="0" algn="l"/>
-                <a:tab pos="457200" algn="l"/>
-                <a:tab pos="914400" algn="l"/>
-                <a:tab pos="1371599" algn="l"/>
-                <a:tab pos="1828800" algn="l"/>
-                <a:tab pos="2286000" algn="l"/>
-                <a:tab pos="2743199" algn="l"/>
-                <a:tab pos="3200400" algn="l"/>
-                <a:tab pos="3657600" algn="l"/>
-                <a:tab pos="4114800" algn="l"/>
-                <a:tab pos="4572000" algn="l"/>
-                <a:tab pos="5029200" algn="l"/>
-                <a:tab pos="5486399" algn="l"/>
-                <a:tab pos="5943600" algn="l"/>
-                <a:tab pos="6400799" algn="l"/>
-                <a:tab pos="6858000" algn="l"/>
-                <a:tab pos="7315200" algn="l"/>
-                <a:tab pos="7772400" algn="l"/>
-                <a:tab pos="8229600" algn="l"/>
-                <a:tab pos="8686800" algn="l"/>
-                <a:tab pos="9144000" algn="l"/>
-              </a:tabLst>
-            </a:pPr>
-            <a:r>
-              <a:rPr lang="en-US" sz="1800" b="0" i="0" u="none" strike="noStrike" baseline="0">
-                <a:ln>
-                  <a:noFill/>
-                </a:ln>
-                <a:solidFill>
-                  <a:srgbClr val="4D4D4D"/>
-                </a:solidFill>
-                <a:latin typeface="Courier New" pitchFamily="50"/>
-                <a:ea typeface="Courier New" pitchFamily="49"/>
-                <a:cs typeface="Courier New" pitchFamily="49"/>
-              </a:rPr>
-              <a:t>}</a:t>
-            </a:r>
-          </a:p>
-          <a:p>
-            <a:pPr marL="0" marR="0" lvl="0" indent="0" algn="l" rtl="0" hangingPunct="1">
-              <a:lnSpc>
-                <a:spcPct val="100000"/>
-              </a:lnSpc>
-              <a:spcBef>
-                <a:spcPts val="0"/>
-              </a:spcBef>
-              <a:spcAft>
-                <a:spcPts val="0"/>
-              </a:spcAft>
-              <a:buNone/>
-              <a:tabLst>
-                <a:tab pos="0" algn="l"/>
-                <a:tab pos="457200" algn="l"/>
-                <a:tab pos="914400" algn="l"/>
-                <a:tab pos="1371599" algn="l"/>
-                <a:tab pos="1828800" algn="l"/>
-                <a:tab pos="2286000" algn="l"/>
-                <a:tab pos="2743199" algn="l"/>
-                <a:tab pos="3200400" algn="l"/>
-                <a:tab pos="3657600" algn="l"/>
-                <a:tab pos="4114800" algn="l"/>
-                <a:tab pos="4572000" algn="l"/>
-                <a:tab pos="5029200" algn="l"/>
-                <a:tab pos="5486399" algn="l"/>
-                <a:tab pos="5943600" algn="l"/>
-                <a:tab pos="6400799" algn="l"/>
-                <a:tab pos="6858000" algn="l"/>
-                <a:tab pos="7315200" algn="l"/>
-                <a:tab pos="7772400" algn="l"/>
-                <a:tab pos="8229600" algn="l"/>
-                <a:tab pos="8686800" algn="l"/>
-                <a:tab pos="9144000" algn="l"/>
-              </a:tabLst>
-            </a:pPr>
-            <a:endParaRPr lang="en-US" sz="1800" b="0" i="0" u="none" strike="noStrike" baseline="0">
-              <a:ln>
-                <a:noFill/>
-              </a:ln>
-              <a:solidFill>
-                <a:srgbClr val="4D4D4D"/>
-              </a:solidFill>
-              <a:latin typeface="Courier New" pitchFamily="50"/>
-              <a:ea typeface="Courier New" pitchFamily="49"/>
-              <a:cs typeface="Courier New" pitchFamily="49"/>
-            </a:endParaRPr>
-          </a:p>
-          <a:p>
-            <a:pPr marL="0" marR="0" lvl="0" indent="0" algn="l" rtl="0" hangingPunct="1">
-              <a:lnSpc>
-                <a:spcPct val="100000"/>
-              </a:lnSpc>
-              <a:spcBef>
-                <a:spcPts val="0"/>
-              </a:spcBef>
-              <a:spcAft>
-                <a:spcPts val="0"/>
-              </a:spcAft>
-              <a:buNone/>
-              <a:tabLst>
-                <a:tab pos="0" algn="l"/>
-                <a:tab pos="457200" algn="l"/>
-                <a:tab pos="914400" algn="l"/>
-                <a:tab pos="1371599" algn="l"/>
-                <a:tab pos="1828800" algn="l"/>
-                <a:tab pos="2286000" algn="l"/>
-                <a:tab pos="2743199" algn="l"/>
-                <a:tab pos="3200400" algn="l"/>
-                <a:tab pos="3657600" algn="l"/>
-                <a:tab pos="4114800" algn="l"/>
-                <a:tab pos="4572000" algn="l"/>
-                <a:tab pos="5029200" algn="l"/>
-                <a:tab pos="5486399" algn="l"/>
-                <a:tab pos="5943600" algn="l"/>
-                <a:tab pos="6400799" algn="l"/>
-                <a:tab pos="6858000" algn="l"/>
-                <a:tab pos="7315200" algn="l"/>
-                <a:tab pos="7772400" algn="l"/>
-                <a:tab pos="8229600" algn="l"/>
-                <a:tab pos="8686800" algn="l"/>
-                <a:tab pos="9144000" algn="l"/>
-              </a:tabLst>
-            </a:pPr>
-            <a:r>
-              <a:rPr lang="en-US" sz="1800" b="1" i="0" u="none" strike="noStrike" baseline="0">
-                <a:ln>
-                  <a:noFill/>
-                </a:ln>
-                <a:solidFill>
-                  <a:srgbClr val="646464"/>
-                </a:solidFill>
-                <a:latin typeface="Courier New" pitchFamily="50"/>
-                <a:ea typeface="Courier New" pitchFamily="49"/>
-                <a:cs typeface="Courier New" pitchFamily="49"/>
-              </a:rPr>
-              <a:t>@RequestMapping</a:t>
-            </a:r>
-            <a:r>
-              <a:rPr lang="en-US" sz="1800" b="0" i="0" u="none" strike="noStrike" baseline="0">
-                <a:ln>
-                  <a:noFill/>
-                </a:ln>
-                <a:solidFill>
-                  <a:srgbClr val="000000"/>
-                </a:solidFill>
-                <a:latin typeface="Courier New" pitchFamily="50"/>
-                <a:ea typeface="Courier New" pitchFamily="49"/>
-                <a:cs typeface="Courier New" pitchFamily="49"/>
-              </a:rPr>
-              <a:t>(path=</a:t>
-            </a:r>
-            <a:r>
-              <a:rPr lang="en-US" sz="1800" b="0" i="0" u="none" strike="noStrike" baseline="0">
-                <a:ln>
-                  <a:noFill/>
-                </a:ln>
-                <a:solidFill>
-                  <a:srgbClr val="2A00FF"/>
-                </a:solidFill>
-                <a:latin typeface="Courier New" pitchFamily="50"/>
-                <a:ea typeface="Courier New" pitchFamily="49"/>
-                <a:cs typeface="Courier New" pitchFamily="49"/>
-              </a:rPr>
-              <a:t>"/orders/{id}"</a:t>
-            </a:r>
-            <a:r>
-              <a:rPr lang="en-US" sz="1800" b="0" i="0" u="none" strike="noStrike" baseline="0">
-                <a:ln>
-                  <a:noFill/>
-                </a:ln>
-                <a:solidFill>
-                  <a:srgbClr val="000000"/>
-                </a:solidFill>
-                <a:latin typeface="Courier New" pitchFamily="50"/>
-                <a:ea typeface="Courier New" pitchFamily="49"/>
-                <a:cs typeface="Courier New" pitchFamily="49"/>
-              </a:rPr>
-              <a:t>, </a:t>
-            </a:r>
-            <a:r>
-              <a:rPr lang="en-US" sz="1800" b="1" i="0" u="none" strike="noStrike" baseline="0">
-                <a:ln>
-                  <a:noFill/>
-                </a:ln>
-                <a:solidFill>
-                  <a:srgbClr val="000000"/>
-                </a:solidFill>
-                <a:latin typeface="Courier New" pitchFamily="50"/>
-                <a:ea typeface="Courier New" pitchFamily="49"/>
-                <a:cs typeface="Courier New" pitchFamily="49"/>
-              </a:rPr>
-              <a:t>method=RequestMethod.</a:t>
-            </a:r>
-            <a:r>
-              <a:rPr lang="en-US" sz="1800" b="1" i="1" u="none" strike="noStrike" baseline="0">
-                <a:ln>
-                  <a:noFill/>
-                </a:ln>
-                <a:solidFill>
-                  <a:srgbClr val="0000C0"/>
-                </a:solidFill>
-                <a:latin typeface="Courier New" pitchFamily="50"/>
-                <a:ea typeface="Courier New" pitchFamily="49"/>
-                <a:cs typeface="Courier New" pitchFamily="49"/>
-              </a:rPr>
-              <a:t>PUT</a:t>
-            </a:r>
-            <a:r>
-              <a:rPr lang="en-US" sz="1800" b="0" i="0" u="none" strike="noStrike" baseline="0">
-                <a:ln>
-                  <a:noFill/>
-                </a:ln>
-                <a:solidFill>
-                  <a:srgbClr val="000000"/>
-                </a:solidFill>
-                <a:latin typeface="Courier New" pitchFamily="50"/>
-                <a:ea typeface="Courier New" pitchFamily="49"/>
-                <a:cs typeface="Courier New" pitchFamily="49"/>
-              </a:rPr>
-              <a:t>)</a:t>
-            </a:r>
-          </a:p>
-          <a:p>
-            <a:pPr marL="0" marR="0" lvl="0" indent="0" algn="l" rtl="0" hangingPunct="1">
-              <a:lnSpc>
-                <a:spcPct val="100000"/>
-              </a:lnSpc>
-              <a:spcBef>
-                <a:spcPts val="0"/>
-              </a:spcBef>
-              <a:spcAft>
-                <a:spcPts val="0"/>
-              </a:spcAft>
-              <a:buNone/>
-              <a:tabLst>
-                <a:tab pos="0" algn="l"/>
-                <a:tab pos="457200" algn="l"/>
-                <a:tab pos="914400" algn="l"/>
-                <a:tab pos="1371599" algn="l"/>
-                <a:tab pos="1828800" algn="l"/>
-                <a:tab pos="2286000" algn="l"/>
-                <a:tab pos="2743199" algn="l"/>
-                <a:tab pos="3200400" algn="l"/>
-                <a:tab pos="3657600" algn="l"/>
-                <a:tab pos="4114800" algn="l"/>
-                <a:tab pos="4572000" algn="l"/>
-                <a:tab pos="5029200" algn="l"/>
-                <a:tab pos="5486399" algn="l"/>
-                <a:tab pos="5943600" algn="l"/>
-                <a:tab pos="6400799" algn="l"/>
-                <a:tab pos="6858000" algn="l"/>
-                <a:tab pos="7315200" algn="l"/>
-                <a:tab pos="7772400" algn="l"/>
-                <a:tab pos="8229600" algn="l"/>
-                <a:tab pos="8686800" algn="l"/>
-                <a:tab pos="9144000" algn="l"/>
-              </a:tabLst>
-            </a:pPr>
-            <a:r>
-              <a:rPr lang="en-US" sz="1800" b="1" i="0" u="none" strike="noStrike" baseline="0">
-                <a:ln>
-                  <a:noFill/>
-                </a:ln>
-                <a:solidFill>
-                  <a:srgbClr val="7F0055"/>
-                </a:solidFill>
-                <a:latin typeface="Courier New" pitchFamily="50"/>
-                <a:ea typeface="Courier New" pitchFamily="49"/>
-                <a:cs typeface="Courier New" pitchFamily="49"/>
-              </a:rPr>
-              <a:t>public</a:t>
-            </a:r>
-            <a:r>
-              <a:rPr lang="en-US" sz="1800" b="0" i="0" u="none" strike="noStrike" baseline="0">
-                <a:ln>
-                  <a:noFill/>
-                </a:ln>
-                <a:solidFill>
-                  <a:srgbClr val="000000"/>
-                </a:solidFill>
-                <a:latin typeface="Courier New" pitchFamily="50"/>
-                <a:ea typeface="Courier New" pitchFamily="49"/>
-                <a:cs typeface="Courier New" pitchFamily="49"/>
-              </a:rPr>
-              <a:t> </a:t>
-            </a:r>
-            <a:r>
-              <a:rPr lang="en-US" sz="1800" b="1" i="0" u="none" strike="noStrike" baseline="0">
-                <a:ln>
-                  <a:noFill/>
-                </a:ln>
-                <a:solidFill>
-                  <a:srgbClr val="7F0055"/>
-                </a:solidFill>
-                <a:latin typeface="Courier New" pitchFamily="50"/>
-                <a:ea typeface="Courier New" pitchFamily="49"/>
-                <a:cs typeface="Courier New" pitchFamily="49"/>
-              </a:rPr>
-              <a:t>void</a:t>
-            </a:r>
-            <a:r>
-              <a:rPr lang="en-US" sz="1800" b="0" i="0" u="none" strike="noStrike" baseline="0">
-                <a:ln>
-                  <a:noFill/>
-                </a:ln>
-                <a:solidFill>
-                  <a:srgbClr val="000000"/>
-                </a:solidFill>
-                <a:latin typeface="Courier New" pitchFamily="50"/>
-                <a:ea typeface="Courier New" pitchFamily="49"/>
-                <a:cs typeface="Courier New" pitchFamily="49"/>
-              </a:rPr>
-              <a:t> updateOrder( ... ) {</a:t>
-            </a:r>
-          </a:p>
-          <a:p>
-            <a:pPr marL="0" marR="0" lvl="0" indent="0" algn="l" rtl="0" hangingPunct="1">
-              <a:lnSpc>
-                <a:spcPct val="100000"/>
-              </a:lnSpc>
-              <a:spcBef>
-                <a:spcPts val="0"/>
-              </a:spcBef>
-              <a:spcAft>
-                <a:spcPts val="0"/>
-              </a:spcAft>
-              <a:buNone/>
-              <a:tabLst>
-                <a:tab pos="0" algn="l"/>
-                <a:tab pos="457200" algn="l"/>
-                <a:tab pos="914400" algn="l"/>
-                <a:tab pos="1371599" algn="l"/>
-                <a:tab pos="1828800" algn="l"/>
-                <a:tab pos="2286000" algn="l"/>
-                <a:tab pos="2743199" algn="l"/>
-                <a:tab pos="3200400" algn="l"/>
-                <a:tab pos="3657600" algn="l"/>
-                <a:tab pos="4114800" algn="l"/>
-                <a:tab pos="4572000" algn="l"/>
-                <a:tab pos="5029200" algn="l"/>
-                <a:tab pos="5486399" algn="l"/>
-                <a:tab pos="5943600" algn="l"/>
-                <a:tab pos="6400799" algn="l"/>
-                <a:tab pos="6858000" algn="l"/>
-                <a:tab pos="7315200" algn="l"/>
-                <a:tab pos="7772400" algn="l"/>
-                <a:tab pos="8229600" algn="l"/>
-                <a:tab pos="8686800" algn="l"/>
-                <a:tab pos="9144000" algn="l"/>
-              </a:tabLst>
-            </a:pPr>
-            <a:r>
-              <a:rPr lang="en-US" sz="1800" b="0" i="0" u="none" strike="noStrike" baseline="0">
-                <a:ln>
-                  <a:noFill/>
-                </a:ln>
-                <a:solidFill>
-                  <a:srgbClr val="000000"/>
-                </a:solidFill>
-                <a:latin typeface="Courier New" pitchFamily="50"/>
-                <a:ea typeface="Courier New" pitchFamily="49"/>
-                <a:cs typeface="Courier New" pitchFamily="49"/>
-              </a:rPr>
-              <a:t>   </a:t>
-            </a:r>
-            <a:r>
-              <a:rPr lang="en-US" sz="1800" b="0" i="0" u="none" strike="noStrike" baseline="0">
-                <a:ln>
-                  <a:noFill/>
-                </a:ln>
-                <a:solidFill>
-                  <a:srgbClr val="3F7F5F"/>
-                </a:solidFill>
-                <a:latin typeface="Courier New" pitchFamily="50"/>
-                <a:ea typeface="Courier New" pitchFamily="49"/>
-                <a:cs typeface="Courier New" pitchFamily="49"/>
-              </a:rPr>
-              <a:t>// update order using data from the request</a:t>
-            </a:r>
-          </a:p>
-          <a:p>
-            <a:pPr marL="0" marR="0" lvl="0" indent="0" algn="l" rtl="0" hangingPunct="1">
-              <a:lnSpc>
-                <a:spcPct val="100000"/>
-              </a:lnSpc>
-              <a:spcBef>
-                <a:spcPts val="0"/>
-              </a:spcBef>
-              <a:spcAft>
-                <a:spcPts val="0"/>
-              </a:spcAft>
-              <a:buNone/>
-              <a:tabLst>
-                <a:tab pos="0" algn="l"/>
-                <a:tab pos="457200" algn="l"/>
-                <a:tab pos="914400" algn="l"/>
-                <a:tab pos="1371599" algn="l"/>
-                <a:tab pos="1828800" algn="l"/>
-                <a:tab pos="2286000" algn="l"/>
-                <a:tab pos="2743199" algn="l"/>
-                <a:tab pos="3200400" algn="l"/>
-                <a:tab pos="3657600" algn="l"/>
-                <a:tab pos="4114800" algn="l"/>
-                <a:tab pos="4572000" algn="l"/>
-                <a:tab pos="5029200" algn="l"/>
-                <a:tab pos="5486399" algn="l"/>
-                <a:tab pos="5943600" algn="l"/>
-                <a:tab pos="6400799" algn="l"/>
-                <a:tab pos="6858000" algn="l"/>
-                <a:tab pos="7315200" algn="l"/>
-                <a:tab pos="7772400" algn="l"/>
-                <a:tab pos="8229600" algn="l"/>
-                <a:tab pos="8686800" algn="l"/>
-                <a:tab pos="9144000" algn="l"/>
-              </a:tabLst>
-            </a:pPr>
-            <a:r>
-              <a:rPr lang="en-US" sz="1800" b="0" i="0" u="none" strike="noStrike" baseline="0">
-                <a:ln>
-                  <a:noFill/>
-                </a:ln>
-                <a:solidFill>
-                  <a:srgbClr val="4D4D4D"/>
-                </a:solidFill>
-                <a:latin typeface="Courier New" pitchFamily="50"/>
-                <a:ea typeface="Courier New" pitchFamily="49"/>
-                <a:cs typeface="Courier New" pitchFamily="49"/>
-              </a:rPr>
-              <a:t>}</a:t>
-            </a:r>
-          </a:p>
-        </p:txBody>
-      </p:sp>
-      <p:sp>
-        <p:nvSpPr>
-          <p:cNvPr id="7" name="Text Placeholder 3">
-            <a:extLst>
-              <a:ext uri="{FF2B5EF4-FFF2-40B4-BE49-F238E27FC236}">
-                <a16:creationId xmlns:a16="http://schemas.microsoft.com/office/drawing/2014/main" id="{27879624-0D34-47A1-9439-2CAF5ADD341F}"/>
-              </a:ext>
-            </a:extLst>
-          </p:cNvPr>
-          <p:cNvSpPr txBox="1">
-            <a:spLocks/>
-          </p:cNvSpPr>
-          <p:nvPr/>
-        </p:nvSpPr>
-        <p:spPr>
-          <a:xfrm>
-            <a:off x="230040" y="3622567"/>
-            <a:ext cx="8229600" cy="1646574"/>
-          </a:xfrm>
-          <a:prstGeom prst="rect">
-            <a:avLst/>
-          </a:prstGeom>
-          <a:noFill/>
-          <a:ln>
-            <a:noFill/>
-          </a:ln>
-        </p:spPr>
-        <p:txBody>
-          <a:bodyPr lIns="91425" tIns="91425" rIns="91425" bIns="91425" anchor="t" anchorCtr="0">
-            <a:spAutoFit/>
-          </a:bodyPr>
-          <a:lstStyle>
-            <a:defPPr marR="0" lvl="0" algn="l" rtl="0">
-              <a:lnSpc>
-                <a:spcPct val="100000"/>
-              </a:lnSpc>
-              <a:spcBef>
-                <a:spcPts val="0"/>
-              </a:spcBef>
-              <a:spcAft>
-                <a:spcPts val="0"/>
-              </a:spcAft>
-            </a:defPPr>
-            <a:lvl1pPr marR="0" lvl="0" algn="l" rtl="0">
-              <a:lnSpc>
-                <a:spcPct val="100000"/>
-              </a:lnSpc>
-              <a:spcBef>
-                <a:spcPts val="600"/>
-              </a:spcBef>
-              <a:spcAft>
-                <a:spcPts val="0"/>
-              </a:spcAft>
-              <a:buClr>
-                <a:srgbClr val="7BD100"/>
-              </a:buClr>
-              <a:buSzPct val="100000"/>
-              <a:buFont typeface="Varela Round"/>
-              <a:buChar char="×"/>
-              <a:defRPr sz="3000" b="0" i="0" u="none" strike="noStrike" cap="none">
-                <a:solidFill>
-                  <a:srgbClr val="546973"/>
-                </a:solidFill>
-                <a:latin typeface="Varela Round"/>
-                <a:ea typeface="Varela Round"/>
-                <a:cs typeface="Varela Round"/>
-                <a:sym typeface="Varela Round"/>
-              </a:defRPr>
-            </a:lvl1pPr>
-            <a:lvl2pPr marR="0" lvl="1" algn="l" rtl="0">
-              <a:lnSpc>
-                <a:spcPct val="100000"/>
-              </a:lnSpc>
-              <a:spcBef>
-                <a:spcPts val="480"/>
-              </a:spcBef>
-              <a:spcAft>
-                <a:spcPts val="0"/>
-              </a:spcAft>
-              <a:buClr>
-                <a:srgbClr val="7BD100"/>
-              </a:buClr>
-              <a:buSzPct val="100000"/>
-              <a:buFont typeface="Varela Round"/>
-              <a:buChar char="×"/>
-              <a:defRPr sz="2400" b="0" i="0" u="none" strike="noStrike" cap="none">
-                <a:solidFill>
-                  <a:srgbClr val="546973"/>
-                </a:solidFill>
-                <a:latin typeface="Varela Round"/>
-                <a:ea typeface="Varela Round"/>
-                <a:cs typeface="Varela Round"/>
-                <a:sym typeface="Varela Round"/>
-              </a:defRPr>
-            </a:lvl2pPr>
-            <a:lvl3pPr marR="0" lvl="2" algn="l" rtl="0">
-              <a:lnSpc>
-                <a:spcPct val="100000"/>
-              </a:lnSpc>
-              <a:spcBef>
-                <a:spcPts val="480"/>
-              </a:spcBef>
-              <a:spcAft>
-                <a:spcPts val="0"/>
-              </a:spcAft>
-              <a:buClr>
-                <a:srgbClr val="7BD100"/>
-              </a:buClr>
-              <a:buSzPct val="100000"/>
-              <a:buFont typeface="Varela Round"/>
-              <a:buChar char="×"/>
-              <a:defRPr sz="2400" b="0" i="0" u="none" strike="noStrike" cap="none">
-                <a:solidFill>
-                  <a:srgbClr val="546973"/>
-                </a:solidFill>
-                <a:latin typeface="Varela Round"/>
-                <a:ea typeface="Varela Round"/>
-                <a:cs typeface="Varela Round"/>
-                <a:sym typeface="Varela Round"/>
-              </a:defRPr>
-            </a:lvl3pPr>
-            <a:lvl4pPr marR="0" lvl="3" algn="l" rtl="0">
-              <a:lnSpc>
-                <a:spcPct val="100000"/>
-              </a:lnSpc>
-              <a:spcBef>
-                <a:spcPts val="360"/>
-              </a:spcBef>
-              <a:spcAft>
-                <a:spcPts val="0"/>
-              </a:spcAft>
-              <a:buClr>
-                <a:srgbClr val="7BD100"/>
-              </a:buClr>
-              <a:buSzPct val="100000"/>
-              <a:buFont typeface="Varela Round"/>
-              <a:buChar char="×"/>
-              <a:defRPr sz="1800" b="0" i="0" u="none" strike="noStrike" cap="none">
-                <a:solidFill>
-                  <a:srgbClr val="546973"/>
-                </a:solidFill>
-                <a:latin typeface="Varela Round"/>
-                <a:ea typeface="Varela Round"/>
-                <a:cs typeface="Varela Round"/>
-                <a:sym typeface="Varela Round"/>
-              </a:defRPr>
-            </a:lvl4pPr>
-            <a:lvl5pPr marR="0" lvl="4" algn="l" rtl="0">
-              <a:lnSpc>
-                <a:spcPct val="100000"/>
-              </a:lnSpc>
-              <a:spcBef>
-                <a:spcPts val="360"/>
-              </a:spcBef>
-              <a:spcAft>
-                <a:spcPts val="0"/>
-              </a:spcAft>
-              <a:buClr>
-                <a:srgbClr val="7BD100"/>
-              </a:buClr>
-              <a:buSzPct val="100000"/>
-              <a:buFont typeface="Varela Round"/>
-              <a:buChar char="×"/>
-              <a:defRPr sz="1800" b="0" i="0" u="none" strike="noStrike" cap="none">
-                <a:solidFill>
-                  <a:srgbClr val="546973"/>
-                </a:solidFill>
-                <a:latin typeface="Varela Round"/>
-                <a:ea typeface="Varela Round"/>
-                <a:cs typeface="Varela Round"/>
-                <a:sym typeface="Varela Round"/>
-              </a:defRPr>
-            </a:lvl5pPr>
-            <a:lvl6pPr marR="0" lvl="5" algn="l" rtl="0">
-              <a:lnSpc>
-                <a:spcPct val="100000"/>
-              </a:lnSpc>
-              <a:spcBef>
-                <a:spcPts val="360"/>
-              </a:spcBef>
-              <a:spcAft>
-                <a:spcPts val="0"/>
-              </a:spcAft>
-              <a:buClr>
-                <a:srgbClr val="7BD100"/>
-              </a:buClr>
-              <a:buSzPct val="100000"/>
-              <a:buFont typeface="Varela Round"/>
-              <a:buChar char="×"/>
-              <a:defRPr sz="1800" b="0" i="0" u="none" strike="noStrike" cap="none">
-                <a:solidFill>
-                  <a:srgbClr val="546973"/>
-                </a:solidFill>
-                <a:latin typeface="Varela Round"/>
-                <a:ea typeface="Varela Round"/>
-                <a:cs typeface="Varela Round"/>
-                <a:sym typeface="Varela Round"/>
-              </a:defRPr>
-            </a:lvl6pPr>
-            <a:lvl7pPr marR="0" lvl="6" algn="l" rtl="0">
-              <a:lnSpc>
-                <a:spcPct val="100000"/>
-              </a:lnSpc>
-              <a:spcBef>
-                <a:spcPts val="360"/>
-              </a:spcBef>
-              <a:spcAft>
-                <a:spcPts val="0"/>
-              </a:spcAft>
-              <a:buClr>
-                <a:srgbClr val="546973"/>
-              </a:buClr>
-              <a:buSzPct val="100000"/>
-              <a:buFont typeface="Varela Round"/>
-              <a:buNone/>
-              <a:defRPr sz="1800" b="0" i="0" u="none" strike="noStrike" cap="none">
-                <a:solidFill>
-                  <a:srgbClr val="546973"/>
-                </a:solidFill>
-                <a:latin typeface="Varela Round"/>
-                <a:ea typeface="Varela Round"/>
-                <a:cs typeface="Varela Round"/>
-                <a:sym typeface="Varela Round"/>
-              </a:defRPr>
-            </a:lvl7pPr>
-            <a:lvl8pPr marR="0" lvl="7" algn="l" rtl="0">
-              <a:lnSpc>
-                <a:spcPct val="100000"/>
-              </a:lnSpc>
-              <a:spcBef>
-                <a:spcPts val="360"/>
-              </a:spcBef>
-              <a:spcAft>
-                <a:spcPts val="0"/>
-              </a:spcAft>
-              <a:buClr>
-                <a:srgbClr val="546973"/>
-              </a:buClr>
-              <a:buSzPct val="100000"/>
-              <a:buFont typeface="Varela Round"/>
-              <a:buNone/>
-              <a:defRPr sz="1800" b="0" i="0" u="none" strike="noStrike" cap="none">
-                <a:solidFill>
-                  <a:srgbClr val="546973"/>
-                </a:solidFill>
-                <a:latin typeface="Varela Round"/>
-                <a:ea typeface="Varela Round"/>
-                <a:cs typeface="Varela Round"/>
-                <a:sym typeface="Varela Round"/>
-              </a:defRPr>
-            </a:lvl8pPr>
-            <a:lvl9pPr marR="0" lvl="8" algn="l" rtl="0">
-              <a:lnSpc>
-                <a:spcPct val="100000"/>
-              </a:lnSpc>
-              <a:spcBef>
-                <a:spcPts val="360"/>
-              </a:spcBef>
-              <a:spcAft>
-                <a:spcPts val="0"/>
-              </a:spcAft>
-              <a:buClr>
-                <a:srgbClr val="546973"/>
-              </a:buClr>
-              <a:buSzPct val="100000"/>
-              <a:buFont typeface="Varela Round"/>
-              <a:buNone/>
-              <a:defRPr sz="1800" b="0" i="0" u="none" strike="noStrike" cap="none">
-                <a:solidFill>
-                  <a:srgbClr val="546973"/>
-                </a:solidFill>
-                <a:latin typeface="Varela Round"/>
-                <a:ea typeface="Varela Round"/>
-                <a:cs typeface="Varela Round"/>
-                <a:sym typeface="Varela Round"/>
-              </a:defRPr>
-            </a:lvl9pPr>
-          </a:lstStyle>
-          <a:p>
-            <a:pPr lvl="0">
-              <a:buClr>
-                <a:srgbClr val="33928A"/>
-              </a:buClr>
-              <a:buNone/>
-            </a:pPr>
-            <a:r>
-              <a:rPr lang="en-US" sz="2000" dirty="0"/>
-              <a:t>Can map HTTP requests based on method</a:t>
-            </a:r>
-          </a:p>
-          <a:p>
-            <a:pPr lvl="0">
-              <a:buClr>
-                <a:srgbClr val="33928A"/>
-              </a:buClr>
-              <a:buNone/>
-            </a:pPr>
-            <a:r>
-              <a:rPr lang="en-US" sz="2000" dirty="0"/>
-              <a:t>- Allows same URL to be mapped to multiple Java methods</a:t>
-            </a:r>
-          </a:p>
-          <a:p>
-            <a:pPr lvl="0">
-              <a:buClr>
-                <a:srgbClr val="33928A"/>
-              </a:buClr>
-              <a:buNone/>
-            </a:pPr>
-            <a:r>
-              <a:rPr lang="en-US" sz="2000" dirty="0" err="1"/>
-              <a:t>RequestMethod</a:t>
-            </a:r>
-            <a:r>
-              <a:rPr lang="en-US" sz="2000" dirty="0"/>
-              <a:t> enumerators are</a:t>
-            </a:r>
-          </a:p>
-          <a:p>
-            <a:pPr lvl="0">
-              <a:buClr>
-                <a:srgbClr val="33928A"/>
-              </a:buClr>
-              <a:buNone/>
-            </a:pPr>
-            <a:r>
-              <a:rPr lang="en-US" sz="2000" dirty="0"/>
-              <a:t>- GET, POST, PUT, PATCH, DELETE, HEAD, OPTIONS, TRACE</a:t>
-            </a:r>
-          </a:p>
-        </p:txBody>
-      </p:sp>
-    </p:spTree>
-    <p:extLst>
-      <p:ext uri="{BB962C8B-B14F-4D97-AF65-F5344CB8AC3E}">
-        <p14:creationId xmlns:p14="http://schemas.microsoft.com/office/powerpoint/2010/main" val="3158696300"/>
-      </p:ext>
-    </p:extLst>
-  </p:cSld>
-  <p:clrMapOvr>
-    <a:masterClrMapping/>
-  </p:clrMapOvr>
-</p:sld>
-</file>
-
-<file path=ppt/slides/slide43.xml><?xml version="1.0" encoding="utf-8"?>
-<p:sld xmlns:a="http://schemas.openxmlformats.org/drawingml/2006/main" xmlns:r="http://schemas.openxmlformats.org/officeDocument/2006/relationships" xmlns:p="http://schemas.openxmlformats.org/presentationml/2006/main">
-  <p:cSld>
-    <p:spTree>
-      <p:nvGrpSpPr>
-        <p:cNvPr id="1" name="Shape 268"/>
-        <p:cNvGrpSpPr/>
-        <p:nvPr/>
-      </p:nvGrpSpPr>
-      <p:grpSpPr>
-        <a:xfrm>
-          <a:off x="0" y="0"/>
-          <a:ext cx="0" cy="0"/>
-          <a:chOff x="0" y="0"/>
-          <a:chExt cx="0" cy="0"/>
-        </a:xfrm>
-      </p:grpSpPr>
-      <p:sp>
-        <p:nvSpPr>
-          <p:cNvPr id="269" name="Shape 269"/>
-          <p:cNvSpPr txBox="1">
-            <a:spLocks noGrp="1"/>
-          </p:cNvSpPr>
-          <p:nvPr>
-            <p:ph type="title"/>
-          </p:nvPr>
-        </p:nvSpPr>
-        <p:spPr>
-          <a:xfrm>
-            <a:off x="868550" y="0"/>
-            <a:ext cx="7407000" cy="1063500"/>
-          </a:xfrm>
-          <a:prstGeom prst="rect">
-            <a:avLst/>
-          </a:prstGeom>
-        </p:spPr>
-        <p:txBody>
-          <a:bodyPr lIns="91425" tIns="91425" rIns="91425" bIns="91425" anchor="ctr" anchorCtr="0">
-            <a:noAutofit/>
-          </a:bodyPr>
-          <a:lstStyle/>
-          <a:p>
-            <a:pPr lvl="0" rtl="0">
-              <a:spcBef>
-                <a:spcPts val="0"/>
-              </a:spcBef>
-              <a:buNone/>
-            </a:pPr>
-            <a:r>
-              <a:rPr lang="en-MY" dirty="0"/>
-              <a:t>Produces and consumes attribute</a:t>
-            </a:r>
-            <a:endParaRPr lang="en" dirty="0"/>
-          </a:p>
-        </p:txBody>
-      </p:sp>
-      <p:sp>
-        <p:nvSpPr>
-          <p:cNvPr id="6" name="Rectangle 4">
-            <a:extLst>
-              <a:ext uri="{FF2B5EF4-FFF2-40B4-BE49-F238E27FC236}">
-                <a16:creationId xmlns:a16="http://schemas.microsoft.com/office/drawing/2014/main" id="{BB742D47-27D6-4AAF-BEE9-22C56C12C11C}"/>
-              </a:ext>
-            </a:extLst>
-          </p:cNvPr>
-          <p:cNvSpPr/>
-          <p:nvPr/>
-        </p:nvSpPr>
-        <p:spPr>
-          <a:xfrm>
-            <a:off x="230040" y="1520933"/>
-            <a:ext cx="8683920" cy="1646575"/>
-          </a:xfrm>
-          <a:custGeom>
-            <a:avLst/>
-            <a:gdLst>
-              <a:gd name="f0" fmla="val 0"/>
-              <a:gd name="f1" fmla="val 21600"/>
-            </a:gdLst>
-            <a:ahLst/>
-            <a:cxnLst>
-              <a:cxn ang="3cd4">
-                <a:pos x="hc" y="t"/>
-              </a:cxn>
-              <a:cxn ang="0">
-                <a:pos x="r" y="vc"/>
-              </a:cxn>
-              <a:cxn ang="cd4">
-                <a:pos x="hc" y="b"/>
-              </a:cxn>
-              <a:cxn ang="cd2">
-                <a:pos x="l" y="vc"/>
-              </a:cxn>
-            </a:cxnLst>
-            <a:rect l="l" t="t" r="r" b="b"/>
-            <a:pathLst>
-              <a:path w="21600" h="21600">
-                <a:moveTo>
-                  <a:pt x="f0" y="f0"/>
-                </a:moveTo>
-                <a:lnTo>
-                  <a:pt x="f1" y="f0"/>
-                </a:lnTo>
-                <a:lnTo>
-                  <a:pt x="f1" y="f1"/>
-                </a:lnTo>
-                <a:lnTo>
-                  <a:pt x="f0" y="f1"/>
-                </a:lnTo>
-                <a:lnTo>
-                  <a:pt x="f0" y="f0"/>
-                </a:lnTo>
-                <a:close/>
-              </a:path>
-            </a:pathLst>
-          </a:custGeom>
-          <a:solidFill>
-            <a:srgbClr val="FFFFCC"/>
-          </a:solidFill>
-          <a:ln w="12600">
-            <a:solidFill>
-              <a:srgbClr val="000000"/>
-            </a:solidFill>
-            <a:prstDash val="solid"/>
-            <a:miter/>
-          </a:ln>
-        </p:spPr>
-        <p:txBody>
-          <a:bodyPr vert="horz" wrap="square" lIns="90000" tIns="46800" rIns="90000" bIns="46800" anchor="t" anchorCtr="0" compatLnSpc="1">
-            <a:noAutofit/>
-          </a:bodyPr>
-          <a:lstStyle/>
-          <a:p>
-            <a:pPr marL="0" marR="0" lvl="0" indent="0" algn="l" rtl="0" hangingPunct="1">
-              <a:lnSpc>
-                <a:spcPct val="100000"/>
-              </a:lnSpc>
-              <a:spcBef>
-                <a:spcPts val="0"/>
-              </a:spcBef>
-              <a:spcAft>
-                <a:spcPts val="0"/>
-              </a:spcAft>
-              <a:buNone/>
-              <a:tabLst>
-                <a:tab pos="0" algn="l"/>
-                <a:tab pos="457200" algn="l"/>
-                <a:tab pos="914400" algn="l"/>
-                <a:tab pos="1371599" algn="l"/>
-                <a:tab pos="1828800" algn="l"/>
-                <a:tab pos="2286000" algn="l"/>
-                <a:tab pos="2743199" algn="l"/>
-                <a:tab pos="3200400" algn="l"/>
-                <a:tab pos="3657600" algn="l"/>
-                <a:tab pos="4114800" algn="l"/>
-                <a:tab pos="4572000" algn="l"/>
-                <a:tab pos="5029200" algn="l"/>
-                <a:tab pos="5486399" algn="l"/>
-                <a:tab pos="5943600" algn="l"/>
-                <a:tab pos="6400799" algn="l"/>
-                <a:tab pos="6858000" algn="l"/>
-                <a:tab pos="7315200" algn="l"/>
-                <a:tab pos="7772400" algn="l"/>
-                <a:tab pos="8229600" algn="l"/>
-                <a:tab pos="8686800" algn="l"/>
-                <a:tab pos="9144000" algn="l"/>
-              </a:tabLst>
-            </a:pPr>
-            <a:r>
-              <a:rPr lang="en-US" sz="1800" b="1" i="0" u="none" strike="noStrike" baseline="0" dirty="0">
-                <a:ln>
-                  <a:noFill/>
-                </a:ln>
-                <a:solidFill>
-                  <a:srgbClr val="646464"/>
-                </a:solidFill>
-                <a:latin typeface="Courier New" pitchFamily="50"/>
-                <a:ea typeface="Courier New" pitchFamily="49"/>
-                <a:cs typeface="Courier New" pitchFamily="49"/>
-              </a:rPr>
-              <a:t>@</a:t>
-            </a:r>
-            <a:r>
-              <a:rPr lang="en-US" sz="1800" b="1" i="0" u="none" strike="noStrike" baseline="0" dirty="0" err="1">
-                <a:ln>
-                  <a:noFill/>
-                </a:ln>
-                <a:solidFill>
-                  <a:srgbClr val="646464"/>
-                </a:solidFill>
-                <a:latin typeface="Courier New" pitchFamily="50"/>
-                <a:ea typeface="Courier New" pitchFamily="49"/>
-                <a:cs typeface="Courier New" pitchFamily="49"/>
-              </a:rPr>
-              <a:t>RequestMapping</a:t>
-            </a:r>
-            <a:r>
-              <a:rPr lang="en-US" sz="1800" b="0" i="0" u="none" strike="noStrike" baseline="0" dirty="0">
-                <a:ln>
-                  <a:noFill/>
-                </a:ln>
-                <a:solidFill>
-                  <a:srgbClr val="000000"/>
-                </a:solidFill>
-                <a:latin typeface="Courier New" pitchFamily="50"/>
-                <a:ea typeface="Courier New" pitchFamily="49"/>
-                <a:cs typeface="Courier New" pitchFamily="49"/>
-              </a:rPr>
-              <a:t>(path=</a:t>
-            </a:r>
-            <a:r>
-              <a:rPr lang="en-US" sz="1800" b="0" i="0" u="none" strike="noStrike" baseline="0" dirty="0">
-                <a:ln>
-                  <a:noFill/>
-                </a:ln>
-                <a:solidFill>
-                  <a:srgbClr val="2A00FF"/>
-                </a:solidFill>
-                <a:latin typeface="Courier New" pitchFamily="50"/>
-                <a:ea typeface="Courier New" pitchFamily="49"/>
-                <a:cs typeface="Courier New" pitchFamily="49"/>
-              </a:rPr>
-              <a:t>"/orders"</a:t>
-            </a:r>
-            <a:r>
-              <a:rPr lang="en-US" sz="1800" b="0" i="0" u="none" strike="noStrike" baseline="0" dirty="0">
-                <a:ln>
-                  <a:noFill/>
-                </a:ln>
-                <a:solidFill>
-                  <a:srgbClr val="000000"/>
-                </a:solidFill>
-                <a:latin typeface="Courier New" pitchFamily="50"/>
-                <a:ea typeface="Courier New" pitchFamily="49"/>
-                <a:cs typeface="Courier New" pitchFamily="49"/>
-              </a:rPr>
-              <a:t>, </a:t>
-            </a:r>
-            <a:r>
-              <a:rPr lang="en-US" sz="1800" i="0" u="none" strike="noStrike" baseline="0" dirty="0">
-                <a:ln>
-                  <a:noFill/>
-                </a:ln>
-                <a:solidFill>
-                  <a:srgbClr val="000000"/>
-                </a:solidFill>
-                <a:latin typeface="Courier New" pitchFamily="50"/>
-                <a:ea typeface="Courier New" pitchFamily="49"/>
-                <a:cs typeface="Courier New" pitchFamily="49"/>
-              </a:rPr>
-              <a:t>method=</a:t>
-            </a:r>
-            <a:r>
-              <a:rPr lang="en-US" sz="1800" i="0" u="none" strike="noStrike" baseline="0" dirty="0" err="1">
-                <a:ln>
-                  <a:noFill/>
-                </a:ln>
-                <a:solidFill>
-                  <a:srgbClr val="000000"/>
-                </a:solidFill>
-                <a:latin typeface="Courier New" pitchFamily="50"/>
-                <a:ea typeface="Courier New" pitchFamily="49"/>
-                <a:cs typeface="Courier New" pitchFamily="49"/>
-              </a:rPr>
-              <a:t>RequestMethod.</a:t>
-            </a:r>
-            <a:r>
-              <a:rPr lang="en-US" sz="1800" i="1" u="none" strike="noStrike" baseline="0" dirty="0" err="1">
-                <a:ln>
-                  <a:noFill/>
-                </a:ln>
-                <a:solidFill>
-                  <a:srgbClr val="0000C0"/>
-                </a:solidFill>
-                <a:latin typeface="Courier New" pitchFamily="50"/>
-                <a:ea typeface="Courier New" pitchFamily="49"/>
-                <a:cs typeface="Courier New" pitchFamily="49"/>
-              </a:rPr>
-              <a:t>DELETE</a:t>
-            </a:r>
-            <a:r>
-              <a:rPr lang="en-US" sz="1800" b="1" i="1" u="none" strike="noStrike" baseline="0" dirty="0">
-                <a:ln>
-                  <a:noFill/>
-                </a:ln>
-                <a:solidFill>
-                  <a:srgbClr val="0000C0"/>
-                </a:solidFill>
-                <a:latin typeface="Courier New" pitchFamily="50"/>
-                <a:ea typeface="Courier New" pitchFamily="49"/>
-                <a:cs typeface="Courier New" pitchFamily="49"/>
-              </a:rPr>
-              <a:t>, </a:t>
-            </a:r>
-            <a:r>
-              <a:rPr lang="en-US" sz="1800" b="1" dirty="0">
-                <a:latin typeface="Courier New" pitchFamily="50"/>
-                <a:cs typeface="Courier New" pitchFamily="49"/>
-              </a:rPr>
-              <a:t>produces={“application/xml”}, consumes={“application/</a:t>
-            </a:r>
-            <a:r>
-              <a:rPr lang="en-US" sz="1800" b="1" dirty="0" err="1">
-                <a:latin typeface="Courier New" pitchFamily="50"/>
-                <a:cs typeface="Courier New" pitchFamily="49"/>
-              </a:rPr>
-              <a:t>json</a:t>
-            </a:r>
-            <a:r>
-              <a:rPr lang="en-US" sz="1800" b="1" dirty="0">
-                <a:latin typeface="Courier New" pitchFamily="50"/>
-                <a:cs typeface="Courier New" pitchFamily="49"/>
-              </a:rPr>
-              <a:t>”}</a:t>
-            </a:r>
-            <a:r>
-              <a:rPr lang="en-US" sz="1800" dirty="0">
-                <a:latin typeface="Courier New" pitchFamily="50"/>
-                <a:cs typeface="Courier New" pitchFamily="49"/>
-              </a:rPr>
-              <a:t>)</a:t>
-            </a:r>
-          </a:p>
-          <a:p>
-            <a:pPr marL="0" marR="0" lvl="0" indent="0" algn="l" rtl="0" hangingPunct="1">
-              <a:lnSpc>
-                <a:spcPct val="100000"/>
-              </a:lnSpc>
-              <a:spcBef>
-                <a:spcPts val="0"/>
-              </a:spcBef>
-              <a:spcAft>
-                <a:spcPts val="0"/>
-              </a:spcAft>
-              <a:buNone/>
-              <a:tabLst>
-                <a:tab pos="0" algn="l"/>
-                <a:tab pos="457200" algn="l"/>
-                <a:tab pos="914400" algn="l"/>
-                <a:tab pos="1371599" algn="l"/>
-                <a:tab pos="1828800" algn="l"/>
-                <a:tab pos="2286000" algn="l"/>
-                <a:tab pos="2743199" algn="l"/>
-                <a:tab pos="3200400" algn="l"/>
-                <a:tab pos="3657600" algn="l"/>
-                <a:tab pos="4114800" algn="l"/>
-                <a:tab pos="4572000" algn="l"/>
-                <a:tab pos="5029200" algn="l"/>
-                <a:tab pos="5486399" algn="l"/>
-                <a:tab pos="5943600" algn="l"/>
-                <a:tab pos="6400799" algn="l"/>
-                <a:tab pos="6858000" algn="l"/>
-                <a:tab pos="7315200" algn="l"/>
-                <a:tab pos="7772400" algn="l"/>
-                <a:tab pos="8229600" algn="l"/>
-                <a:tab pos="8686800" algn="l"/>
-                <a:tab pos="9144000" algn="l"/>
-              </a:tabLst>
-            </a:pPr>
-            <a:r>
-              <a:rPr lang="en-US" sz="1800" b="1" i="0" u="none" strike="noStrike" baseline="0" dirty="0">
-                <a:ln>
-                  <a:noFill/>
-                </a:ln>
-                <a:solidFill>
-                  <a:srgbClr val="7F0055"/>
-                </a:solidFill>
-                <a:latin typeface="Courier New" pitchFamily="50"/>
-                <a:ea typeface="Courier New" pitchFamily="49"/>
-                <a:cs typeface="Courier New" pitchFamily="49"/>
-              </a:rPr>
-              <a:t>public</a:t>
-            </a:r>
-            <a:r>
-              <a:rPr lang="en-US" sz="1800" b="0" i="0" u="none" strike="noStrike" baseline="0" dirty="0">
-                <a:ln>
-                  <a:noFill/>
-                </a:ln>
-                <a:solidFill>
-                  <a:srgbClr val="000000"/>
-                </a:solidFill>
-                <a:latin typeface="Courier New" pitchFamily="50"/>
-                <a:ea typeface="Courier New" pitchFamily="49"/>
-                <a:cs typeface="Courier New" pitchFamily="49"/>
-              </a:rPr>
-              <a:t> </a:t>
-            </a:r>
-            <a:r>
-              <a:rPr lang="en-US" sz="1800" b="1" dirty="0">
-                <a:latin typeface="Courier New" pitchFamily="50"/>
-                <a:cs typeface="Courier New" pitchFamily="49"/>
-              </a:rPr>
-              <a:t>Order</a:t>
-            </a:r>
-            <a:r>
-              <a:rPr lang="en-US" sz="1800" b="0" i="0" u="none" strike="noStrike" baseline="0" dirty="0">
-                <a:ln>
-                  <a:noFill/>
-                </a:ln>
-                <a:solidFill>
-                  <a:srgbClr val="000000"/>
-                </a:solidFill>
-                <a:latin typeface="Courier New" pitchFamily="50"/>
-                <a:ea typeface="Courier New" pitchFamily="49"/>
-                <a:cs typeface="Courier New" pitchFamily="49"/>
-              </a:rPr>
-              <a:t> </a:t>
-            </a:r>
-            <a:r>
-              <a:rPr lang="en-US" sz="1800" b="0" i="0" u="none" strike="noStrike" baseline="0" dirty="0" err="1">
-                <a:ln>
-                  <a:noFill/>
-                </a:ln>
-                <a:solidFill>
-                  <a:srgbClr val="000000"/>
-                </a:solidFill>
-                <a:latin typeface="Courier New" pitchFamily="50"/>
-                <a:ea typeface="Courier New" pitchFamily="49"/>
-                <a:cs typeface="Courier New" pitchFamily="49"/>
-              </a:rPr>
-              <a:t>updateOrder</a:t>
-            </a:r>
-            <a:r>
-              <a:rPr lang="en-US" sz="1800" b="0" i="0" u="none" strike="noStrike" baseline="0" dirty="0">
-                <a:ln>
-                  <a:noFill/>
-                </a:ln>
-                <a:solidFill>
-                  <a:srgbClr val="000000"/>
-                </a:solidFill>
-                <a:latin typeface="Courier New" pitchFamily="50"/>
-                <a:ea typeface="Courier New" pitchFamily="49"/>
-                <a:cs typeface="Courier New" pitchFamily="49"/>
-              </a:rPr>
-              <a:t>( String </a:t>
-            </a:r>
-            <a:r>
-              <a:rPr lang="en-US" sz="1800" b="0" i="0" u="none" strike="noStrike" baseline="0" dirty="0" err="1">
-                <a:ln>
-                  <a:noFill/>
-                </a:ln>
-                <a:solidFill>
-                  <a:srgbClr val="000000"/>
-                </a:solidFill>
-                <a:latin typeface="Courier New" pitchFamily="50"/>
-                <a:ea typeface="Courier New" pitchFamily="49"/>
-                <a:cs typeface="Courier New" pitchFamily="49"/>
-              </a:rPr>
-              <a:t>orderId</a:t>
-            </a:r>
-            <a:r>
-              <a:rPr lang="en-US" sz="1800" b="0" i="0" u="none" strike="noStrike" baseline="0" dirty="0">
-                <a:ln>
-                  <a:noFill/>
-                </a:ln>
-                <a:solidFill>
-                  <a:srgbClr val="000000"/>
-                </a:solidFill>
-                <a:latin typeface="Courier New" pitchFamily="50"/>
-                <a:ea typeface="Courier New" pitchFamily="49"/>
-                <a:cs typeface="Courier New" pitchFamily="49"/>
-              </a:rPr>
-              <a:t> ) {</a:t>
-            </a:r>
-          </a:p>
-          <a:p>
-            <a:pPr marL="0" marR="0" lvl="0" indent="0" algn="l" rtl="0" hangingPunct="1">
-              <a:lnSpc>
-                <a:spcPct val="100000"/>
-              </a:lnSpc>
-              <a:spcBef>
-                <a:spcPts val="0"/>
-              </a:spcBef>
-              <a:spcAft>
-                <a:spcPts val="0"/>
-              </a:spcAft>
-              <a:buNone/>
-              <a:tabLst>
-                <a:tab pos="0" algn="l"/>
-                <a:tab pos="457200" algn="l"/>
-                <a:tab pos="914400" algn="l"/>
-                <a:tab pos="1371599" algn="l"/>
-                <a:tab pos="1828800" algn="l"/>
-                <a:tab pos="2286000" algn="l"/>
-                <a:tab pos="2743199" algn="l"/>
-                <a:tab pos="3200400" algn="l"/>
-                <a:tab pos="3657600" algn="l"/>
-                <a:tab pos="4114800" algn="l"/>
-                <a:tab pos="4572000" algn="l"/>
-                <a:tab pos="5029200" algn="l"/>
-                <a:tab pos="5486399" algn="l"/>
-                <a:tab pos="5943600" algn="l"/>
-                <a:tab pos="6400799" algn="l"/>
-                <a:tab pos="6858000" algn="l"/>
-                <a:tab pos="7315200" algn="l"/>
-                <a:tab pos="7772400" algn="l"/>
-                <a:tab pos="8229600" algn="l"/>
-                <a:tab pos="8686800" algn="l"/>
-                <a:tab pos="9144000" algn="l"/>
-              </a:tabLst>
-            </a:pPr>
-            <a:r>
-              <a:rPr lang="en-US" sz="1800" b="0" i="0" u="none" strike="noStrike" baseline="0" dirty="0">
-                <a:ln>
-                  <a:noFill/>
-                </a:ln>
-                <a:solidFill>
-                  <a:srgbClr val="000000"/>
-                </a:solidFill>
-                <a:latin typeface="Courier New" pitchFamily="50"/>
-                <a:ea typeface="Courier New" pitchFamily="49"/>
-                <a:cs typeface="Courier New" pitchFamily="49"/>
-              </a:rPr>
-              <a:t>   </a:t>
-            </a:r>
-            <a:r>
-              <a:rPr lang="en-US" sz="1800" b="0" i="0" u="none" strike="noStrike" baseline="0" dirty="0">
-                <a:ln>
-                  <a:noFill/>
-                </a:ln>
-                <a:solidFill>
-                  <a:srgbClr val="3F7F5F"/>
-                </a:solidFill>
-                <a:latin typeface="Courier New" pitchFamily="50"/>
-                <a:ea typeface="Courier New" pitchFamily="49"/>
-                <a:cs typeface="Courier New" pitchFamily="49"/>
-              </a:rPr>
-              <a:t>// update order and returned updated order</a:t>
-            </a:r>
-          </a:p>
-          <a:p>
-            <a:pPr marL="0" marR="0" lvl="0" indent="0" algn="l" rtl="0" hangingPunct="1">
-              <a:lnSpc>
-                <a:spcPct val="100000"/>
-              </a:lnSpc>
-              <a:spcBef>
-                <a:spcPts val="0"/>
-              </a:spcBef>
-              <a:spcAft>
-                <a:spcPts val="0"/>
-              </a:spcAft>
-              <a:buNone/>
-              <a:tabLst>
-                <a:tab pos="0" algn="l"/>
-                <a:tab pos="457200" algn="l"/>
-                <a:tab pos="914400" algn="l"/>
-                <a:tab pos="1371599" algn="l"/>
-                <a:tab pos="1828800" algn="l"/>
-                <a:tab pos="2286000" algn="l"/>
-                <a:tab pos="2743199" algn="l"/>
-                <a:tab pos="3200400" algn="l"/>
-                <a:tab pos="3657600" algn="l"/>
-                <a:tab pos="4114800" algn="l"/>
-                <a:tab pos="4572000" algn="l"/>
-                <a:tab pos="5029200" algn="l"/>
-                <a:tab pos="5486399" algn="l"/>
-                <a:tab pos="5943600" algn="l"/>
-                <a:tab pos="6400799" algn="l"/>
-                <a:tab pos="6858000" algn="l"/>
-                <a:tab pos="7315200" algn="l"/>
-                <a:tab pos="7772400" algn="l"/>
-                <a:tab pos="8229600" algn="l"/>
-                <a:tab pos="8686800" algn="l"/>
-                <a:tab pos="9144000" algn="l"/>
-              </a:tabLst>
-            </a:pPr>
-            <a:r>
-              <a:rPr lang="en-US" sz="1800" b="0" i="0" u="none" strike="noStrike" baseline="0" dirty="0">
-                <a:ln>
-                  <a:noFill/>
-                </a:ln>
-                <a:solidFill>
-                  <a:srgbClr val="4D4D4D"/>
-                </a:solidFill>
-                <a:latin typeface="Courier New" pitchFamily="50"/>
-                <a:ea typeface="Courier New" pitchFamily="49"/>
-                <a:cs typeface="Courier New" pitchFamily="49"/>
-              </a:rPr>
-              <a:t>}</a:t>
-            </a:r>
-          </a:p>
-        </p:txBody>
-      </p:sp>
-    </p:spTree>
-    <p:extLst>
-      <p:ext uri="{BB962C8B-B14F-4D97-AF65-F5344CB8AC3E}">
-        <p14:creationId xmlns:p14="http://schemas.microsoft.com/office/powerpoint/2010/main" val="893286211"/>
-      </p:ext>
-    </p:extLst>
-  </p:cSld>
-  <p:clrMapOvr>
-    <a:masterClrMapping/>
-  </p:clrMapOvr>
-</p:sld>
-</file>
-
-<file path=ppt/slides/slide44.xml><?xml version="1.0" encoding="utf-8"?>
-<p:sld xmlns:a="http://schemas.openxmlformats.org/drawingml/2006/main" xmlns:r="http://schemas.openxmlformats.org/officeDocument/2006/relationships" xmlns:p="http://schemas.openxmlformats.org/presentationml/2006/main">
-  <p:cSld>
-    <p:spTree>
-      <p:nvGrpSpPr>
-        <p:cNvPr id="1" name="Shape 268"/>
-        <p:cNvGrpSpPr/>
-        <p:nvPr/>
-      </p:nvGrpSpPr>
-      <p:grpSpPr>
-        <a:xfrm>
-          <a:off x="0" y="0"/>
-          <a:ext cx="0" cy="0"/>
-          <a:chOff x="0" y="0"/>
-          <a:chExt cx="0" cy="0"/>
-        </a:xfrm>
-      </p:grpSpPr>
-      <p:sp>
-        <p:nvSpPr>
-          <p:cNvPr id="269" name="Shape 269"/>
-          <p:cNvSpPr txBox="1">
-            <a:spLocks noGrp="1"/>
-          </p:cNvSpPr>
-          <p:nvPr>
-            <p:ph type="title"/>
-          </p:nvPr>
-        </p:nvSpPr>
-        <p:spPr>
-          <a:xfrm>
-            <a:off x="868550" y="0"/>
-            <a:ext cx="7407000" cy="1063500"/>
-          </a:xfrm>
-          <a:prstGeom prst="rect">
-            <a:avLst/>
-          </a:prstGeom>
-        </p:spPr>
-        <p:txBody>
-          <a:bodyPr lIns="91425" tIns="91425" rIns="91425" bIns="91425" anchor="ctr" anchorCtr="0">
-            <a:noAutofit/>
-          </a:bodyPr>
-          <a:lstStyle/>
-          <a:p>
-            <a:pPr lvl="0" rtl="0">
-              <a:spcBef>
-                <a:spcPts val="0"/>
-              </a:spcBef>
-              <a:buNone/>
-            </a:pPr>
-            <a:r>
-              <a:rPr lang="en-MY" dirty="0"/>
-              <a:t>Simpler annotations</a:t>
-            </a:r>
-            <a:endParaRPr lang="en" dirty="0"/>
-          </a:p>
-        </p:txBody>
-      </p:sp>
-      <p:sp>
-        <p:nvSpPr>
-          <p:cNvPr id="6" name="Text Placeholder 3">
-            <a:extLst>
-              <a:ext uri="{FF2B5EF4-FFF2-40B4-BE49-F238E27FC236}">
-                <a16:creationId xmlns:a16="http://schemas.microsoft.com/office/drawing/2014/main" id="{D184AA21-57D2-44D2-B24A-92EB479865E1}"/>
-              </a:ext>
-            </a:extLst>
-          </p:cNvPr>
-          <p:cNvSpPr txBox="1">
-            <a:spLocks/>
-          </p:cNvSpPr>
-          <p:nvPr/>
-        </p:nvSpPr>
-        <p:spPr>
-          <a:xfrm>
-            <a:off x="457200" y="1063500"/>
-            <a:ext cx="5774635" cy="3877954"/>
-          </a:xfrm>
-          <a:prstGeom prst="rect">
-            <a:avLst/>
-          </a:prstGeom>
-          <a:noFill/>
-          <a:ln>
-            <a:noFill/>
-          </a:ln>
-        </p:spPr>
-        <p:txBody>
-          <a:bodyPr wrap="square" lIns="91425" tIns="91425" rIns="91425" bIns="91425" anchor="t" anchorCtr="0">
-            <a:spAutoFit/>
-          </a:bodyPr>
-          <a:lstStyle>
-            <a:defPPr marR="0" lvl="0" algn="l" rtl="0">
-              <a:lnSpc>
-                <a:spcPct val="100000"/>
-              </a:lnSpc>
-              <a:spcBef>
-                <a:spcPts val="0"/>
-              </a:spcBef>
-              <a:spcAft>
-                <a:spcPts val="0"/>
-              </a:spcAft>
-            </a:defPPr>
-            <a:lvl1pPr marR="0" lvl="0" algn="l" rtl="0">
-              <a:lnSpc>
-                <a:spcPct val="100000"/>
-              </a:lnSpc>
-              <a:spcBef>
-                <a:spcPts val="600"/>
-              </a:spcBef>
-              <a:spcAft>
-                <a:spcPts val="0"/>
-              </a:spcAft>
-              <a:buClr>
-                <a:srgbClr val="7BD100"/>
-              </a:buClr>
-              <a:buSzPct val="100000"/>
-              <a:buFont typeface="Varela Round"/>
-              <a:buChar char="×"/>
-              <a:defRPr sz="3000" b="0" i="0" u="none" strike="noStrike" cap="none">
-                <a:solidFill>
-                  <a:srgbClr val="546973"/>
-                </a:solidFill>
-                <a:latin typeface="Varela Round"/>
-                <a:ea typeface="Varela Round"/>
-                <a:cs typeface="Varela Round"/>
-                <a:sym typeface="Varela Round"/>
-              </a:defRPr>
-            </a:lvl1pPr>
-            <a:lvl2pPr marR="0" lvl="1" algn="l" rtl="0">
-              <a:lnSpc>
-                <a:spcPct val="100000"/>
-              </a:lnSpc>
-              <a:spcBef>
-                <a:spcPts val="480"/>
-              </a:spcBef>
-              <a:spcAft>
-                <a:spcPts val="0"/>
-              </a:spcAft>
-              <a:buClr>
-                <a:srgbClr val="7BD100"/>
-              </a:buClr>
-              <a:buSzPct val="100000"/>
-              <a:buFont typeface="Varela Round"/>
-              <a:buChar char="×"/>
-              <a:defRPr sz="2400" b="0" i="0" u="none" strike="noStrike" cap="none">
-                <a:solidFill>
-                  <a:srgbClr val="546973"/>
-                </a:solidFill>
-                <a:latin typeface="Varela Round"/>
-                <a:ea typeface="Varela Round"/>
-                <a:cs typeface="Varela Round"/>
-                <a:sym typeface="Varela Round"/>
-              </a:defRPr>
-            </a:lvl2pPr>
-            <a:lvl3pPr marR="0" lvl="2" algn="l" rtl="0">
-              <a:lnSpc>
-                <a:spcPct val="100000"/>
-              </a:lnSpc>
-              <a:spcBef>
-                <a:spcPts val="480"/>
-              </a:spcBef>
-              <a:spcAft>
-                <a:spcPts val="0"/>
-              </a:spcAft>
-              <a:buClr>
-                <a:srgbClr val="7BD100"/>
-              </a:buClr>
-              <a:buSzPct val="100000"/>
-              <a:buFont typeface="Varela Round"/>
-              <a:buChar char="×"/>
-              <a:defRPr sz="2400" b="0" i="0" u="none" strike="noStrike" cap="none">
-                <a:solidFill>
-                  <a:srgbClr val="546973"/>
-                </a:solidFill>
-                <a:latin typeface="Varela Round"/>
-                <a:ea typeface="Varela Round"/>
-                <a:cs typeface="Varela Round"/>
-                <a:sym typeface="Varela Round"/>
-              </a:defRPr>
-            </a:lvl3pPr>
-            <a:lvl4pPr marR="0" lvl="3" algn="l" rtl="0">
-              <a:lnSpc>
-                <a:spcPct val="100000"/>
-              </a:lnSpc>
-              <a:spcBef>
-                <a:spcPts val="360"/>
-              </a:spcBef>
-              <a:spcAft>
-                <a:spcPts val="0"/>
-              </a:spcAft>
-              <a:buClr>
-                <a:srgbClr val="7BD100"/>
-              </a:buClr>
-              <a:buSzPct val="100000"/>
-              <a:buFont typeface="Varela Round"/>
-              <a:buChar char="×"/>
-              <a:defRPr sz="1800" b="0" i="0" u="none" strike="noStrike" cap="none">
-                <a:solidFill>
-                  <a:srgbClr val="546973"/>
-                </a:solidFill>
-                <a:latin typeface="Varela Round"/>
-                <a:ea typeface="Varela Round"/>
-                <a:cs typeface="Varela Round"/>
-                <a:sym typeface="Varela Round"/>
-              </a:defRPr>
-            </a:lvl4pPr>
-            <a:lvl5pPr marR="0" lvl="4" algn="l" rtl="0">
-              <a:lnSpc>
-                <a:spcPct val="100000"/>
-              </a:lnSpc>
-              <a:spcBef>
-                <a:spcPts val="360"/>
-              </a:spcBef>
-              <a:spcAft>
-                <a:spcPts val="0"/>
-              </a:spcAft>
-              <a:buClr>
-                <a:srgbClr val="7BD100"/>
-              </a:buClr>
-              <a:buSzPct val="100000"/>
-              <a:buFont typeface="Varela Round"/>
-              <a:buChar char="×"/>
-              <a:defRPr sz="1800" b="0" i="0" u="none" strike="noStrike" cap="none">
-                <a:solidFill>
-                  <a:srgbClr val="546973"/>
-                </a:solidFill>
-                <a:latin typeface="Varela Round"/>
-                <a:ea typeface="Varela Round"/>
-                <a:cs typeface="Varela Round"/>
-                <a:sym typeface="Varela Round"/>
-              </a:defRPr>
-            </a:lvl5pPr>
-            <a:lvl6pPr marR="0" lvl="5" algn="l" rtl="0">
-              <a:lnSpc>
-                <a:spcPct val="100000"/>
-              </a:lnSpc>
-              <a:spcBef>
-                <a:spcPts val="360"/>
-              </a:spcBef>
-              <a:spcAft>
-                <a:spcPts val="0"/>
-              </a:spcAft>
-              <a:buClr>
-                <a:srgbClr val="7BD100"/>
-              </a:buClr>
-              <a:buSzPct val="100000"/>
-              <a:buFont typeface="Varela Round"/>
-              <a:buChar char="×"/>
-              <a:defRPr sz="1800" b="0" i="0" u="none" strike="noStrike" cap="none">
-                <a:solidFill>
-                  <a:srgbClr val="546973"/>
-                </a:solidFill>
-                <a:latin typeface="Varela Round"/>
-                <a:ea typeface="Varela Round"/>
-                <a:cs typeface="Varela Round"/>
-                <a:sym typeface="Varela Round"/>
-              </a:defRPr>
-            </a:lvl6pPr>
-            <a:lvl7pPr marR="0" lvl="6" algn="l" rtl="0">
-              <a:lnSpc>
-                <a:spcPct val="100000"/>
-              </a:lnSpc>
-              <a:spcBef>
-                <a:spcPts val="360"/>
-              </a:spcBef>
-              <a:spcAft>
-                <a:spcPts val="0"/>
-              </a:spcAft>
-              <a:buClr>
-                <a:srgbClr val="546973"/>
-              </a:buClr>
-              <a:buSzPct val="100000"/>
-              <a:buFont typeface="Varela Round"/>
-              <a:buNone/>
-              <a:defRPr sz="1800" b="0" i="0" u="none" strike="noStrike" cap="none">
-                <a:solidFill>
-                  <a:srgbClr val="546973"/>
-                </a:solidFill>
-                <a:latin typeface="Varela Round"/>
-                <a:ea typeface="Varela Round"/>
-                <a:cs typeface="Varela Round"/>
-                <a:sym typeface="Varela Round"/>
-              </a:defRPr>
-            </a:lvl7pPr>
-            <a:lvl8pPr marR="0" lvl="7" algn="l" rtl="0">
-              <a:lnSpc>
-                <a:spcPct val="100000"/>
-              </a:lnSpc>
-              <a:spcBef>
-                <a:spcPts val="360"/>
-              </a:spcBef>
-              <a:spcAft>
-                <a:spcPts val="0"/>
-              </a:spcAft>
-              <a:buClr>
-                <a:srgbClr val="546973"/>
-              </a:buClr>
-              <a:buSzPct val="100000"/>
-              <a:buFont typeface="Varela Round"/>
-              <a:buNone/>
-              <a:defRPr sz="1800" b="0" i="0" u="none" strike="noStrike" cap="none">
-                <a:solidFill>
-                  <a:srgbClr val="546973"/>
-                </a:solidFill>
-                <a:latin typeface="Varela Round"/>
-                <a:ea typeface="Varela Round"/>
-                <a:cs typeface="Varela Round"/>
-                <a:sym typeface="Varela Round"/>
-              </a:defRPr>
-            </a:lvl8pPr>
-            <a:lvl9pPr marR="0" lvl="8" algn="l" rtl="0">
-              <a:lnSpc>
-                <a:spcPct val="100000"/>
-              </a:lnSpc>
-              <a:spcBef>
-                <a:spcPts val="360"/>
-              </a:spcBef>
-              <a:spcAft>
-                <a:spcPts val="0"/>
-              </a:spcAft>
-              <a:buClr>
-                <a:srgbClr val="546973"/>
-              </a:buClr>
-              <a:buSzPct val="100000"/>
-              <a:buFont typeface="Varela Round"/>
-              <a:buNone/>
-              <a:defRPr sz="1800" b="0" i="0" u="none" strike="noStrike" cap="none">
-                <a:solidFill>
-                  <a:srgbClr val="546973"/>
-                </a:solidFill>
-                <a:latin typeface="Varela Round"/>
-                <a:ea typeface="Varela Round"/>
-                <a:cs typeface="Varela Round"/>
-                <a:sym typeface="Varela Round"/>
-              </a:defRPr>
-            </a:lvl9pPr>
-          </a:lstStyle>
-          <a:p>
-            <a:pPr lvl="0">
-              <a:buClr>
-                <a:srgbClr val="33928A"/>
-              </a:buClr>
-              <a:buNone/>
-            </a:pPr>
-            <a:r>
-              <a:rPr lang="en-US" sz="2000" dirty="0"/>
-              <a:t>Alternative handler mapping shortcuts</a:t>
-            </a:r>
-          </a:p>
-          <a:p>
-            <a:pPr lvl="0">
-              <a:buClr>
-                <a:srgbClr val="33928A"/>
-              </a:buClr>
-              <a:buNone/>
-            </a:pPr>
-            <a:r>
-              <a:rPr lang="en-US" sz="2000" dirty="0"/>
-              <a:t>@</a:t>
-            </a:r>
-            <a:r>
-              <a:rPr lang="en-US" sz="2000" dirty="0" err="1"/>
-              <a:t>RequestMapping</a:t>
-            </a:r>
-            <a:r>
-              <a:rPr lang="en-US" sz="2000" dirty="0"/>
-              <a:t>(path="/accounts”,</a:t>
-            </a:r>
-            <a:br>
-              <a:rPr lang="en-US" sz="2000" dirty="0"/>
-            </a:br>
-            <a:r>
-              <a:rPr lang="en-US" sz="2000" dirty="0"/>
-              <a:t>                method=</a:t>
-            </a:r>
-            <a:r>
-              <a:rPr lang="en-US" sz="2000" dirty="0" err="1"/>
-              <a:t>RequestMethod.GET</a:t>
-            </a:r>
-            <a:r>
-              <a:rPr lang="en-US" sz="2000" dirty="0"/>
-              <a:t>)</a:t>
-            </a:r>
-          </a:p>
-          <a:p>
-            <a:pPr lvl="0">
-              <a:buClr>
-                <a:srgbClr val="33928A"/>
-              </a:buClr>
-              <a:buNone/>
-            </a:pPr>
-            <a:r>
-              <a:rPr lang="en-US" sz="2000" dirty="0"/>
-              <a:t>Or @</a:t>
-            </a:r>
-            <a:r>
-              <a:rPr lang="en-US" sz="2000" dirty="0" err="1"/>
-              <a:t>GetMapping</a:t>
-            </a:r>
-            <a:r>
-              <a:rPr lang="en-US" sz="2000" dirty="0"/>
-              <a:t>("/accounts");</a:t>
-            </a:r>
-          </a:p>
-          <a:p>
-            <a:pPr lvl="0">
-              <a:buClr>
-                <a:srgbClr val="33928A"/>
-              </a:buClr>
-              <a:buNone/>
-            </a:pPr>
-            <a:r>
-              <a:rPr lang="en-US" sz="2000" b="1" dirty="0"/>
-              <a:t>Exist for these HTTP methods</a:t>
-            </a:r>
-          </a:p>
-          <a:p>
-            <a:pPr lvl="0">
-              <a:buClr>
-                <a:srgbClr val="33928A"/>
-              </a:buClr>
-              <a:buNone/>
-            </a:pPr>
-            <a:r>
-              <a:rPr lang="en-US" sz="2000" dirty="0"/>
-              <a:t>@</a:t>
-            </a:r>
-            <a:r>
-              <a:rPr lang="en-US" sz="2000" dirty="0" err="1"/>
-              <a:t>GetMapping</a:t>
-            </a:r>
-            <a:endParaRPr lang="en-US" sz="2000" dirty="0"/>
-          </a:p>
-          <a:p>
-            <a:pPr lvl="0">
-              <a:buClr>
-                <a:srgbClr val="33928A"/>
-              </a:buClr>
-              <a:buNone/>
-            </a:pPr>
-            <a:r>
-              <a:rPr lang="en-US" sz="2000" dirty="0"/>
-              <a:t>@</a:t>
-            </a:r>
-            <a:r>
-              <a:rPr lang="en-US" sz="2000" dirty="0" err="1"/>
-              <a:t>PostMapping</a:t>
-            </a:r>
-            <a:endParaRPr lang="en-US" sz="2000" dirty="0"/>
-          </a:p>
-          <a:p>
-            <a:pPr lvl="0">
-              <a:buClr>
-                <a:srgbClr val="33928A"/>
-              </a:buClr>
-              <a:buNone/>
-            </a:pPr>
-            <a:r>
-              <a:rPr lang="en-US" sz="2000" dirty="0"/>
-              <a:t>@</a:t>
-            </a:r>
-            <a:r>
-              <a:rPr lang="en-US" sz="2000" dirty="0" err="1"/>
-              <a:t>PutMapping</a:t>
-            </a:r>
-            <a:endParaRPr lang="en-US" sz="2000" dirty="0"/>
-          </a:p>
-          <a:p>
-            <a:pPr lvl="0">
-              <a:buClr>
-                <a:srgbClr val="33928A"/>
-              </a:buClr>
-              <a:buNone/>
-            </a:pPr>
-            <a:r>
-              <a:rPr lang="en-US" sz="2000" dirty="0"/>
-              <a:t>@</a:t>
-            </a:r>
-            <a:r>
-              <a:rPr lang="en-US" sz="2000" dirty="0" err="1"/>
-              <a:t>DeleteMapping</a:t>
-            </a:r>
-            <a:endParaRPr lang="en-US" sz="2000" dirty="0"/>
-          </a:p>
-          <a:p>
-            <a:pPr lvl="0">
-              <a:buClr>
-                <a:srgbClr val="33928A"/>
-              </a:buClr>
-              <a:buNone/>
-            </a:pPr>
-            <a:r>
-              <a:rPr lang="en-US" sz="2000" dirty="0"/>
-              <a:t>@</a:t>
-            </a:r>
-            <a:r>
-              <a:rPr lang="en-US" sz="2000" dirty="0" err="1"/>
-              <a:t>PatchMapping</a:t>
-            </a:r>
-            <a:endParaRPr lang="en-US" sz="2000" dirty="0"/>
-          </a:p>
-        </p:txBody>
-      </p:sp>
-    </p:spTree>
-    <p:extLst>
-      <p:ext uri="{BB962C8B-B14F-4D97-AF65-F5344CB8AC3E}">
-        <p14:creationId xmlns:p14="http://schemas.microsoft.com/office/powerpoint/2010/main" val="2812071275"/>
       </p:ext>
     </p:extLst>
   </p:cSld>
